--- a/presentations/example6.pptx
+++ b/presentations/example6.pptx
@@ -106,6 +106,11 @@
       </a:defRPr>
     </a:lvl9pPr>
   </p:defaultTextStyle>
+  <p:extLst>
+    <p:ext uri="{EFAFB233-063F-42B5-8137-9DF3F51BA10A}">
+      <p15:sldGuideLst xmlns:p15="http://schemas.microsoft.com/office/powerpoint/2012/main"/>
+    </p:ext>
+  </p:extLst>
 </p:presentation>
 </file>
 
@@ -151,10 +156,9 @@
           </a:lstStyle>
           <a:p>
             <a:r>
-              <a:rPr lang="en-US" smtClean="0"/>
+              <a:rPr lang="en-US"/>
               <a:t>Click to edit Master title style</a:t>
             </a:r>
-            <a:endParaRPr lang="en-US"/>
           </a:p>
         </p:txBody>
       </p:sp>
@@ -216,10 +220,9 @@
           </a:lstStyle>
           <a:p>
             <a:r>
-              <a:rPr lang="en-US" smtClean="0"/>
+              <a:rPr lang="en-US"/>
               <a:t>Click to edit Master subtitle style</a:t>
             </a:r>
-            <a:endParaRPr lang="en-US"/>
           </a:p>
         </p:txBody>
       </p:sp>
@@ -240,7 +243,7 @@
           <a:p>
             <a:fld id="{2A0A4212-B79C-4FEA-9CE5-23D9BD6897E2}" type="datetimeFigureOut">
               <a:rPr lang="en-US" smtClean="0"/>
-              <a:t>5/6/2021</a:t>
+              <a:t>5/8/2021</a:t>
             </a:fld>
             <a:endParaRPr lang="en-US"/>
           </a:p>
@@ -334,10 +337,9 @@
           <a:lstStyle/>
           <a:p>
             <a:r>
-              <a:rPr lang="en-US" smtClean="0"/>
+              <a:rPr lang="en-US"/>
               <a:t>Click to edit Master title style</a:t>
             </a:r>
-            <a:endParaRPr lang="en-US"/>
           </a:p>
         </p:txBody>
       </p:sp>
@@ -358,38 +360,37 @@
           <a:p>
             <a:pPr lvl="0"/>
             <a:r>
-              <a:rPr lang="en-US" smtClean="0"/>
+              <a:rPr lang="en-US"/>
               <a:t>Edit Master text styles</a:t>
             </a:r>
           </a:p>
           <a:p>
             <a:pPr lvl="1"/>
             <a:r>
-              <a:rPr lang="en-US" smtClean="0"/>
+              <a:rPr lang="en-US"/>
               <a:t>Second level</a:t>
             </a:r>
           </a:p>
           <a:p>
             <a:pPr lvl="2"/>
             <a:r>
-              <a:rPr lang="en-US" smtClean="0"/>
+              <a:rPr lang="en-US"/>
               <a:t>Third level</a:t>
             </a:r>
           </a:p>
           <a:p>
             <a:pPr lvl="3"/>
             <a:r>
-              <a:rPr lang="en-US" smtClean="0"/>
+              <a:rPr lang="en-US"/>
               <a:t>Fourth level</a:t>
             </a:r>
           </a:p>
           <a:p>
             <a:pPr lvl="4"/>
             <a:r>
-              <a:rPr lang="en-US" smtClean="0"/>
+              <a:rPr lang="en-US"/>
               <a:t>Fifth level</a:t>
             </a:r>
-            <a:endParaRPr lang="en-US"/>
           </a:p>
         </p:txBody>
       </p:sp>
@@ -410,7 +411,7 @@
           <a:p>
             <a:fld id="{2A0A4212-B79C-4FEA-9CE5-23D9BD6897E2}" type="datetimeFigureOut">
               <a:rPr lang="en-US" smtClean="0"/>
-              <a:t>5/6/2021</a:t>
+              <a:t>5/8/2021</a:t>
             </a:fld>
             <a:endParaRPr lang="en-US"/>
           </a:p>
@@ -509,10 +510,9 @@
           <a:lstStyle/>
           <a:p>
             <a:r>
-              <a:rPr lang="en-US" smtClean="0"/>
+              <a:rPr lang="en-US"/>
               <a:t>Click to edit Master title style</a:t>
             </a:r>
-            <a:endParaRPr lang="en-US"/>
           </a:p>
         </p:txBody>
       </p:sp>
@@ -538,38 +538,37 @@
           <a:p>
             <a:pPr lvl="0"/>
             <a:r>
-              <a:rPr lang="en-US" smtClean="0"/>
+              <a:rPr lang="en-US"/>
               <a:t>Edit Master text styles</a:t>
             </a:r>
           </a:p>
           <a:p>
             <a:pPr lvl="1"/>
             <a:r>
-              <a:rPr lang="en-US" smtClean="0"/>
+              <a:rPr lang="en-US"/>
               <a:t>Second level</a:t>
             </a:r>
           </a:p>
           <a:p>
             <a:pPr lvl="2"/>
             <a:r>
-              <a:rPr lang="en-US" smtClean="0"/>
+              <a:rPr lang="en-US"/>
               <a:t>Third level</a:t>
             </a:r>
           </a:p>
           <a:p>
             <a:pPr lvl="3"/>
             <a:r>
-              <a:rPr lang="en-US" smtClean="0"/>
+              <a:rPr lang="en-US"/>
               <a:t>Fourth level</a:t>
             </a:r>
           </a:p>
           <a:p>
             <a:pPr lvl="4"/>
             <a:r>
-              <a:rPr lang="en-US" smtClean="0"/>
+              <a:rPr lang="en-US"/>
               <a:t>Fifth level</a:t>
             </a:r>
-            <a:endParaRPr lang="en-US"/>
           </a:p>
         </p:txBody>
       </p:sp>
@@ -590,7 +589,7 @@
           <a:p>
             <a:fld id="{2A0A4212-B79C-4FEA-9CE5-23D9BD6897E2}" type="datetimeFigureOut">
               <a:rPr lang="en-US" smtClean="0"/>
-              <a:t>5/6/2021</a:t>
+              <a:t>5/8/2021</a:t>
             </a:fld>
             <a:endParaRPr lang="en-US"/>
           </a:p>
@@ -684,10 +683,9 @@
           <a:lstStyle/>
           <a:p>
             <a:r>
-              <a:rPr lang="en-US" smtClean="0"/>
+              <a:rPr lang="en-US"/>
               <a:t>Click to edit Master title style</a:t>
             </a:r>
-            <a:endParaRPr lang="en-US"/>
           </a:p>
         </p:txBody>
       </p:sp>
@@ -708,38 +706,37 @@
           <a:p>
             <a:pPr lvl="0"/>
             <a:r>
-              <a:rPr lang="en-US" smtClean="0"/>
+              <a:rPr lang="en-US"/>
               <a:t>Edit Master text styles</a:t>
             </a:r>
           </a:p>
           <a:p>
             <a:pPr lvl="1"/>
             <a:r>
-              <a:rPr lang="en-US" smtClean="0"/>
+              <a:rPr lang="en-US"/>
               <a:t>Second level</a:t>
             </a:r>
           </a:p>
           <a:p>
             <a:pPr lvl="2"/>
             <a:r>
-              <a:rPr lang="en-US" smtClean="0"/>
+              <a:rPr lang="en-US"/>
               <a:t>Third level</a:t>
             </a:r>
           </a:p>
           <a:p>
             <a:pPr lvl="3"/>
             <a:r>
-              <a:rPr lang="en-US" smtClean="0"/>
+              <a:rPr lang="en-US"/>
               <a:t>Fourth level</a:t>
             </a:r>
           </a:p>
           <a:p>
             <a:pPr lvl="4"/>
             <a:r>
-              <a:rPr lang="en-US" smtClean="0"/>
+              <a:rPr lang="en-US"/>
               <a:t>Fifth level</a:t>
             </a:r>
-            <a:endParaRPr lang="en-US"/>
           </a:p>
         </p:txBody>
       </p:sp>
@@ -760,7 +757,7 @@
           <a:p>
             <a:fld id="{2A0A4212-B79C-4FEA-9CE5-23D9BD6897E2}" type="datetimeFigureOut">
               <a:rPr lang="en-US" smtClean="0"/>
-              <a:t>5/6/2021</a:t>
+              <a:t>5/8/2021</a:t>
             </a:fld>
             <a:endParaRPr lang="en-US"/>
           </a:p>
@@ -863,10 +860,9 @@
           </a:lstStyle>
           <a:p>
             <a:r>
-              <a:rPr lang="en-US" smtClean="0"/>
+              <a:rPr lang="en-US"/>
               <a:t>Click to edit Master title style</a:t>
             </a:r>
-            <a:endParaRPr lang="en-US"/>
           </a:p>
         </p:txBody>
       </p:sp>
@@ -983,7 +979,7 @@
           <a:p>
             <a:pPr lvl="0"/>
             <a:r>
-              <a:rPr lang="en-US" smtClean="0"/>
+              <a:rPr lang="en-US"/>
               <a:t>Edit Master text styles</a:t>
             </a:r>
           </a:p>
@@ -1006,7 +1002,7 @@
           <a:p>
             <a:fld id="{2A0A4212-B79C-4FEA-9CE5-23D9BD6897E2}" type="datetimeFigureOut">
               <a:rPr lang="en-US" smtClean="0"/>
-              <a:t>5/6/2021</a:t>
+              <a:t>5/8/2021</a:t>
             </a:fld>
             <a:endParaRPr lang="en-US"/>
           </a:p>
@@ -1100,10 +1096,9 @@
           <a:lstStyle/>
           <a:p>
             <a:r>
-              <a:rPr lang="en-US" smtClean="0"/>
+              <a:rPr lang="en-US"/>
               <a:t>Click to edit Master title style</a:t>
             </a:r>
-            <a:endParaRPr lang="en-US"/>
           </a:p>
         </p:txBody>
       </p:sp>
@@ -1129,38 +1124,37 @@
           <a:p>
             <a:pPr lvl="0"/>
             <a:r>
-              <a:rPr lang="en-US" smtClean="0"/>
+              <a:rPr lang="en-US"/>
               <a:t>Edit Master text styles</a:t>
             </a:r>
           </a:p>
           <a:p>
             <a:pPr lvl="1"/>
             <a:r>
-              <a:rPr lang="en-US" smtClean="0"/>
+              <a:rPr lang="en-US"/>
               <a:t>Second level</a:t>
             </a:r>
           </a:p>
           <a:p>
             <a:pPr lvl="2"/>
             <a:r>
-              <a:rPr lang="en-US" smtClean="0"/>
+              <a:rPr lang="en-US"/>
               <a:t>Third level</a:t>
             </a:r>
           </a:p>
           <a:p>
             <a:pPr lvl="3"/>
             <a:r>
-              <a:rPr lang="en-US" smtClean="0"/>
+              <a:rPr lang="en-US"/>
               <a:t>Fourth level</a:t>
             </a:r>
           </a:p>
           <a:p>
             <a:pPr lvl="4"/>
             <a:r>
-              <a:rPr lang="en-US" smtClean="0"/>
+              <a:rPr lang="en-US"/>
               <a:t>Fifth level</a:t>
             </a:r>
-            <a:endParaRPr lang="en-US"/>
           </a:p>
         </p:txBody>
       </p:sp>
@@ -1186,38 +1180,37 @@
           <a:p>
             <a:pPr lvl="0"/>
             <a:r>
-              <a:rPr lang="en-US" smtClean="0"/>
+              <a:rPr lang="en-US"/>
               <a:t>Edit Master text styles</a:t>
             </a:r>
           </a:p>
           <a:p>
             <a:pPr lvl="1"/>
             <a:r>
-              <a:rPr lang="en-US" smtClean="0"/>
+              <a:rPr lang="en-US"/>
               <a:t>Second level</a:t>
             </a:r>
           </a:p>
           <a:p>
             <a:pPr lvl="2"/>
             <a:r>
-              <a:rPr lang="en-US" smtClean="0"/>
+              <a:rPr lang="en-US"/>
               <a:t>Third level</a:t>
             </a:r>
           </a:p>
           <a:p>
             <a:pPr lvl="3"/>
             <a:r>
-              <a:rPr lang="en-US" smtClean="0"/>
+              <a:rPr lang="en-US"/>
               <a:t>Fourth level</a:t>
             </a:r>
           </a:p>
           <a:p>
             <a:pPr lvl="4"/>
             <a:r>
-              <a:rPr lang="en-US" smtClean="0"/>
+              <a:rPr lang="en-US"/>
               <a:t>Fifth level</a:t>
             </a:r>
-            <a:endParaRPr lang="en-US"/>
           </a:p>
         </p:txBody>
       </p:sp>
@@ -1238,7 +1231,7 @@
           <a:p>
             <a:fld id="{2A0A4212-B79C-4FEA-9CE5-23D9BD6897E2}" type="datetimeFigureOut">
               <a:rPr lang="en-US" smtClean="0"/>
-              <a:t>5/6/2021</a:t>
+              <a:t>5/8/2021</a:t>
             </a:fld>
             <a:endParaRPr lang="en-US"/>
           </a:p>
@@ -1337,10 +1330,9 @@
           <a:lstStyle/>
           <a:p>
             <a:r>
-              <a:rPr lang="en-US" smtClean="0"/>
+              <a:rPr lang="en-US"/>
               <a:t>Click to edit Master title style</a:t>
             </a:r>
-            <a:endParaRPr lang="en-US"/>
           </a:p>
         </p:txBody>
       </p:sp>
@@ -1403,7 +1395,7 @@
           <a:p>
             <a:pPr lvl="0"/>
             <a:r>
-              <a:rPr lang="en-US" smtClean="0"/>
+              <a:rPr lang="en-US"/>
               <a:t>Edit Master text styles</a:t>
             </a:r>
           </a:p>
@@ -1431,38 +1423,37 @@
           <a:p>
             <a:pPr lvl="0"/>
             <a:r>
-              <a:rPr lang="en-US" smtClean="0"/>
+              <a:rPr lang="en-US"/>
               <a:t>Edit Master text styles</a:t>
             </a:r>
           </a:p>
           <a:p>
             <a:pPr lvl="1"/>
             <a:r>
-              <a:rPr lang="en-US" smtClean="0"/>
+              <a:rPr lang="en-US"/>
               <a:t>Second level</a:t>
             </a:r>
           </a:p>
           <a:p>
             <a:pPr lvl="2"/>
             <a:r>
-              <a:rPr lang="en-US" smtClean="0"/>
+              <a:rPr lang="en-US"/>
               <a:t>Third level</a:t>
             </a:r>
           </a:p>
           <a:p>
             <a:pPr lvl="3"/>
             <a:r>
-              <a:rPr lang="en-US" smtClean="0"/>
+              <a:rPr lang="en-US"/>
               <a:t>Fourth level</a:t>
             </a:r>
           </a:p>
           <a:p>
             <a:pPr lvl="4"/>
             <a:r>
-              <a:rPr lang="en-US" smtClean="0"/>
+              <a:rPr lang="en-US"/>
               <a:t>Fifth level</a:t>
             </a:r>
-            <a:endParaRPr lang="en-US"/>
           </a:p>
         </p:txBody>
       </p:sp>
@@ -1525,7 +1516,7 @@
           <a:p>
             <a:pPr lvl="0"/>
             <a:r>
-              <a:rPr lang="en-US" smtClean="0"/>
+              <a:rPr lang="en-US"/>
               <a:t>Edit Master text styles</a:t>
             </a:r>
           </a:p>
@@ -1553,38 +1544,37 @@
           <a:p>
             <a:pPr lvl="0"/>
             <a:r>
-              <a:rPr lang="en-US" smtClean="0"/>
+              <a:rPr lang="en-US"/>
               <a:t>Edit Master text styles</a:t>
             </a:r>
           </a:p>
           <a:p>
             <a:pPr lvl="1"/>
             <a:r>
-              <a:rPr lang="en-US" smtClean="0"/>
+              <a:rPr lang="en-US"/>
               <a:t>Second level</a:t>
             </a:r>
           </a:p>
           <a:p>
             <a:pPr lvl="2"/>
             <a:r>
-              <a:rPr lang="en-US" smtClean="0"/>
+              <a:rPr lang="en-US"/>
               <a:t>Third level</a:t>
             </a:r>
           </a:p>
           <a:p>
             <a:pPr lvl="3"/>
             <a:r>
-              <a:rPr lang="en-US" smtClean="0"/>
+              <a:rPr lang="en-US"/>
               <a:t>Fourth level</a:t>
             </a:r>
           </a:p>
           <a:p>
             <a:pPr lvl="4"/>
             <a:r>
-              <a:rPr lang="en-US" smtClean="0"/>
+              <a:rPr lang="en-US"/>
               <a:t>Fifth level</a:t>
             </a:r>
-            <a:endParaRPr lang="en-US"/>
           </a:p>
         </p:txBody>
       </p:sp>
@@ -1605,7 +1595,7 @@
           <a:p>
             <a:fld id="{2A0A4212-B79C-4FEA-9CE5-23D9BD6897E2}" type="datetimeFigureOut">
               <a:rPr lang="en-US" smtClean="0"/>
-              <a:t>5/6/2021</a:t>
+              <a:t>5/8/2021</a:t>
             </a:fld>
             <a:endParaRPr lang="en-US"/>
           </a:p>
@@ -1699,10 +1689,9 @@
           <a:lstStyle/>
           <a:p>
             <a:r>
-              <a:rPr lang="en-US" smtClean="0"/>
+              <a:rPr lang="en-US"/>
               <a:t>Click to edit Master title style</a:t>
             </a:r>
-            <a:endParaRPr lang="en-US"/>
           </a:p>
         </p:txBody>
       </p:sp>
@@ -1723,7 +1712,7 @@
           <a:p>
             <a:fld id="{2A0A4212-B79C-4FEA-9CE5-23D9BD6897E2}" type="datetimeFigureOut">
               <a:rPr lang="en-US" smtClean="0"/>
-              <a:t>5/6/2021</a:t>
+              <a:t>5/8/2021</a:t>
             </a:fld>
             <a:endParaRPr lang="en-US"/>
           </a:p>
@@ -1818,7 +1807,7 @@
           <a:p>
             <a:fld id="{2A0A4212-B79C-4FEA-9CE5-23D9BD6897E2}" type="datetimeFigureOut">
               <a:rPr lang="en-US" smtClean="0"/>
-              <a:t>5/6/2021</a:t>
+              <a:t>5/8/2021</a:t>
             </a:fld>
             <a:endParaRPr lang="en-US"/>
           </a:p>
@@ -1921,10 +1910,9 @@
           </a:lstStyle>
           <a:p>
             <a:r>
-              <a:rPr lang="en-US" smtClean="0"/>
+              <a:rPr lang="en-US"/>
               <a:t>Click to edit Master title style</a:t>
             </a:r>
-            <a:endParaRPr lang="en-US"/>
           </a:p>
         </p:txBody>
       </p:sp>
@@ -1978,38 +1966,37 @@
           <a:p>
             <a:pPr lvl="0"/>
             <a:r>
-              <a:rPr lang="en-US" smtClean="0"/>
+              <a:rPr lang="en-US"/>
               <a:t>Edit Master text styles</a:t>
             </a:r>
           </a:p>
           <a:p>
             <a:pPr lvl="1"/>
             <a:r>
-              <a:rPr lang="en-US" smtClean="0"/>
+              <a:rPr lang="en-US"/>
               <a:t>Second level</a:t>
             </a:r>
           </a:p>
           <a:p>
             <a:pPr lvl="2"/>
             <a:r>
-              <a:rPr lang="en-US" smtClean="0"/>
+              <a:rPr lang="en-US"/>
               <a:t>Third level</a:t>
             </a:r>
           </a:p>
           <a:p>
             <a:pPr lvl="3"/>
             <a:r>
-              <a:rPr lang="en-US" smtClean="0"/>
+              <a:rPr lang="en-US"/>
               <a:t>Fourth level</a:t>
             </a:r>
           </a:p>
           <a:p>
             <a:pPr lvl="4"/>
             <a:r>
-              <a:rPr lang="en-US" smtClean="0"/>
+              <a:rPr lang="en-US"/>
               <a:t>Fifth level</a:t>
             </a:r>
-            <a:endParaRPr lang="en-US"/>
           </a:p>
         </p:txBody>
       </p:sp>
@@ -2072,7 +2059,7 @@
           <a:p>
             <a:pPr lvl="0"/>
             <a:r>
-              <a:rPr lang="en-US" smtClean="0"/>
+              <a:rPr lang="en-US"/>
               <a:t>Edit Master text styles</a:t>
             </a:r>
           </a:p>
@@ -2095,7 +2082,7 @@
           <a:p>
             <a:fld id="{2A0A4212-B79C-4FEA-9CE5-23D9BD6897E2}" type="datetimeFigureOut">
               <a:rPr lang="en-US" smtClean="0"/>
-              <a:t>5/6/2021</a:t>
+              <a:t>5/8/2021</a:t>
             </a:fld>
             <a:endParaRPr lang="en-US"/>
           </a:p>
@@ -2198,10 +2185,9 @@
           </a:lstStyle>
           <a:p>
             <a:r>
-              <a:rPr lang="en-US" smtClean="0"/>
+              <a:rPr lang="en-US"/>
               <a:t>Click to edit Master title style</a:t>
             </a:r>
-            <a:endParaRPr lang="en-US"/>
           </a:p>
         </p:txBody>
       </p:sp>
@@ -2325,7 +2311,7 @@
           <a:p>
             <a:pPr lvl="0"/>
             <a:r>
-              <a:rPr lang="en-US" smtClean="0"/>
+              <a:rPr lang="en-US"/>
               <a:t>Edit Master text styles</a:t>
             </a:r>
           </a:p>
@@ -2348,7 +2334,7 @@
           <a:p>
             <a:fld id="{2A0A4212-B79C-4FEA-9CE5-23D9BD6897E2}" type="datetimeFigureOut">
               <a:rPr lang="en-US" smtClean="0"/>
-              <a:t>5/6/2021</a:t>
+              <a:t>5/8/2021</a:t>
             </a:fld>
             <a:endParaRPr lang="en-US"/>
           </a:p>
@@ -2457,10 +2443,9 @@
           <a:lstStyle/>
           <a:p>
             <a:r>
-              <a:rPr lang="en-US" smtClean="0"/>
+              <a:rPr lang="en-US"/>
               <a:t>Click to edit Master title style</a:t>
             </a:r>
-            <a:endParaRPr lang="en-US"/>
           </a:p>
         </p:txBody>
       </p:sp>
@@ -2491,38 +2476,37 @@
           <a:p>
             <a:pPr lvl="0"/>
             <a:r>
-              <a:rPr lang="en-US" smtClean="0"/>
+              <a:rPr lang="en-US"/>
               <a:t>Edit Master text styles</a:t>
             </a:r>
           </a:p>
           <a:p>
             <a:pPr lvl="1"/>
             <a:r>
-              <a:rPr lang="en-US" smtClean="0"/>
+              <a:rPr lang="en-US"/>
               <a:t>Second level</a:t>
             </a:r>
           </a:p>
           <a:p>
             <a:pPr lvl="2"/>
             <a:r>
-              <a:rPr lang="en-US" smtClean="0"/>
+              <a:rPr lang="en-US"/>
               <a:t>Third level</a:t>
             </a:r>
           </a:p>
           <a:p>
             <a:pPr lvl="3"/>
             <a:r>
-              <a:rPr lang="en-US" smtClean="0"/>
+              <a:rPr lang="en-US"/>
               <a:t>Fourth level</a:t>
             </a:r>
           </a:p>
           <a:p>
             <a:pPr lvl="4"/>
             <a:r>
-              <a:rPr lang="en-US" smtClean="0"/>
+              <a:rPr lang="en-US"/>
               <a:t>Fifth level</a:t>
             </a:r>
-            <a:endParaRPr lang="en-US"/>
           </a:p>
         </p:txBody>
       </p:sp>
@@ -2561,7 +2545,7 @@
           <a:p>
             <a:fld id="{2A0A4212-B79C-4FEA-9CE5-23D9BD6897E2}" type="datetimeFigureOut">
               <a:rPr lang="en-US" smtClean="0"/>
-              <a:t>5/6/2021</a:t>
+              <a:t>5/8/2021</a:t>
             </a:fld>
             <a:endParaRPr lang="en-US"/>
           </a:p>
@@ -2982,22 +2966,21 @@
           <a:lstStyle/>
           <a:p>
             <a:r>
-              <a:rPr lang="ru-RU" dirty="0" smtClean="0"/>
+              <a:rPr lang="ru-RU" dirty="0"/>
               <a:t>Ленивая инициализация </a:t>
             </a:r>
             <a:r>
-              <a:rPr lang="ru-RU" dirty="0" err="1" smtClean="0"/>
+              <a:rPr lang="ru-RU" dirty="0" err="1"/>
               <a:t>бинов</a:t>
             </a:r>
             <a:r>
-              <a:rPr lang="ru-RU" dirty="0" smtClean="0"/>
+              <a:rPr lang="ru-RU" dirty="0"/>
               <a:t>. </a:t>
             </a:r>
             <a:r>
-              <a:rPr lang="en-US" dirty="0" smtClean="0"/>
+              <a:rPr lang="en-US" dirty="0"/>
               <a:t>Lazy-initialization.</a:t>
             </a:r>
-            <a:endParaRPr lang="en-US" dirty="0"/>
           </a:p>
         </p:txBody>
       </p:sp>
@@ -3020,23 +3003,23 @@
               <a:buNone/>
             </a:pPr>
             <a:r>
-              <a:rPr lang="ru-RU" dirty="0" smtClean="0"/>
+              <a:rPr lang="ru-RU" dirty="0"/>
               <a:t>Ленивая инициализация </a:t>
             </a:r>
             <a:r>
-              <a:rPr lang="ru-RU" dirty="0" err="1" smtClean="0"/>
+              <a:rPr lang="ru-RU" dirty="0" err="1"/>
               <a:t>бинов</a:t>
             </a:r>
             <a:r>
-              <a:rPr lang="ru-RU" dirty="0" smtClean="0"/>
+              <a:rPr lang="ru-RU" dirty="0"/>
               <a:t> используется для отсрочки создания </a:t>
             </a:r>
             <a:r>
-              <a:rPr lang="ru-RU" dirty="0" err="1" smtClean="0"/>
+              <a:rPr lang="ru-RU" dirty="0" err="1"/>
               <a:t>бина</a:t>
             </a:r>
             <a:r>
-              <a:rPr lang="ru-RU" dirty="0" smtClean="0"/>
+              <a:rPr lang="ru-RU" dirty="0"/>
               <a:t> до времени первого обращения к нему.</a:t>
             </a:r>
           </a:p>
@@ -3045,15 +3028,15 @@
               <a:buNone/>
             </a:pPr>
             <a:r>
-              <a:rPr lang="ru-RU" dirty="0" smtClean="0"/>
+              <a:rPr lang="ru-RU" dirty="0"/>
               <a:t>При обычной инициализация бин существует на всём протяжении времени работы программы: от старта до конца работы. При ленивой - от первого обращения к нему </a:t>
             </a:r>
             <a:r>
-              <a:rPr lang="ru-RU" dirty="0" err="1" smtClean="0"/>
+              <a:rPr lang="ru-RU" dirty="0" err="1"/>
               <a:t>getBean</a:t>
             </a:r>
             <a:r>
-              <a:rPr lang="ru-RU" dirty="0" smtClean="0"/>
+              <a:rPr lang="ru-RU" dirty="0"/>
               <a:t>().</a:t>
             </a:r>
           </a:p>
@@ -3233,15 +3216,15 @@
           <a:lstStyle/>
           <a:p>
             <a:r>
-              <a:rPr lang="ru-RU" dirty="0" smtClean="0"/>
+              <a:rPr lang="ru-RU" dirty="0"/>
               <a:t>Устанавливается в </a:t>
             </a:r>
             <a:r>
-              <a:rPr lang="ru-RU" dirty="0" err="1" smtClean="0"/>
+              <a:rPr lang="ru-RU" dirty="0" err="1"/>
               <a:t>бине</a:t>
             </a:r>
             <a:r>
-              <a:rPr lang="ru-RU" dirty="0" smtClean="0"/>
+              <a:rPr lang="ru-RU" dirty="0"/>
               <a:t> следующим образом:</a:t>
             </a:r>
           </a:p>
@@ -3249,41 +3232,40 @@
             <a:endParaRPr lang="ru-RU" dirty="0"/>
           </a:p>
           <a:p>
-            <a:endParaRPr lang="ru-RU" dirty="0" smtClean="0"/>
-          </a:p>
-          <a:p>
             <a:endParaRPr lang="ru-RU" dirty="0"/>
           </a:p>
           <a:p>
-            <a:endParaRPr lang="ru-RU" dirty="0" smtClean="0"/>
-          </a:p>
-          <a:p>
             <a:endParaRPr lang="ru-RU" dirty="0"/>
           </a:p>
           <a:p>
-            <a:endParaRPr lang="ru-RU" dirty="0" smtClean="0"/>
-          </a:p>
-          <a:p>
             <a:endParaRPr lang="ru-RU" dirty="0"/>
           </a:p>
           <a:p>
-            <a:r>
-              <a:rPr lang="ru-RU" dirty="0" smtClean="0"/>
-              <a:t>По умолчанию равна </a:t>
-            </a:r>
-            <a:r>
-              <a:rPr lang="ru-RU" dirty="0" err="1" smtClean="0"/>
-              <a:t>равна</a:t>
-            </a:r>
-            <a:r>
-              <a:rPr lang="ru-RU" dirty="0" smtClean="0"/>
-              <a:t> </a:t>
-            </a:r>
-            <a:r>
-              <a:rPr lang="en-US" dirty="0" smtClean="0"/>
-              <a:t>false.</a:t>
-            </a:r>
-            <a:endParaRPr lang="en-US" dirty="0"/>
+            <a:endParaRPr lang="ru-RU" dirty="0"/>
+          </a:p>
+          <a:p>
+            <a:endParaRPr lang="ru-RU" dirty="0"/>
+          </a:p>
+          <a:p>
+            <a:endParaRPr lang="ru-RU" dirty="0"/>
+          </a:p>
+          <a:p>
+            <a:r>
+              <a:rPr lang="ru-RU" dirty="0"/>
+              <a:t>По умолчанию </a:t>
+            </a:r>
+            <a:r>
+              <a:rPr lang="ru-RU"/>
+              <a:t>равна </a:t>
+            </a:r>
+            <a:r>
+              <a:rPr lang="en-US"/>
+              <a:t>false</a:t>
+            </a:r>
+            <a:r>
+              <a:rPr lang="en-US" dirty="0"/>
+              <a:t>.</a:t>
+            </a:r>
           </a:p>
         </p:txBody>
       </p:sp>
@@ -3358,7 +3340,7 @@
               <a:tabLst/>
             </a:pPr>
             <a:r>
-              <a:rPr kumimoji="0" lang="en-US" altLang="en-US" sz="2000" b="0" i="0" u="none" strike="noStrike" cap="none" normalizeH="0" baseline="0" dirty="0" smtClean="0">
+              <a:rPr kumimoji="0" lang="en-US" altLang="en-US" sz="2000" b="0" i="0" u="none" strike="noStrike" cap="none" normalizeH="0" baseline="0" dirty="0">
                 <a:ln>
                   <a:noFill/>
                 </a:ln>
@@ -3371,7 +3353,7 @@
               <a:t>&lt;bean </a:t>
             </a:r>
             <a:r>
-              <a:rPr kumimoji="0" lang="en-US" altLang="en-US" sz="2000" b="0" i="0" u="none" strike="noStrike" cap="none" normalizeH="0" baseline="0" dirty="0" smtClean="0">
+              <a:rPr kumimoji="0" lang="en-US" altLang="en-US" sz="2000" b="0" i="0" u="none" strike="noStrike" cap="none" normalizeH="0" baseline="0" dirty="0">
                 <a:ln>
                   <a:noFill/>
                 </a:ln>
@@ -3384,7 +3366,7 @@
               <a:t>name</a:t>
             </a:r>
             <a:r>
-              <a:rPr kumimoji="0" lang="en-US" altLang="en-US" sz="2000" b="0" i="0" u="none" strike="noStrike" cap="none" normalizeH="0" baseline="0" dirty="0" smtClean="0">
+              <a:rPr kumimoji="0" lang="en-US" altLang="en-US" sz="2000" b="0" i="0" u="none" strike="noStrike" cap="none" normalizeH="0" baseline="0" dirty="0">
                 <a:ln>
                   <a:noFill/>
                 </a:ln>
@@ -3397,7 +3379,7 @@
               <a:t>="exampleBean1" </a:t>
             </a:r>
             <a:r>
-              <a:rPr kumimoji="0" lang="en-US" altLang="en-US" sz="2000" b="0" i="0" u="none" strike="noStrike" cap="none" normalizeH="0" baseline="0" dirty="0" smtClean="0">
+              <a:rPr kumimoji="0" lang="en-US" altLang="en-US" sz="2000" b="0" i="0" u="none" strike="noStrike" cap="none" normalizeH="0" baseline="0" dirty="0">
                 <a:ln>
                   <a:noFill/>
                 </a:ln>
@@ -3410,7 +3392,7 @@
               <a:t>class</a:t>
             </a:r>
             <a:r>
-              <a:rPr kumimoji="0" lang="en-US" altLang="en-US" sz="2000" b="0" i="0" u="none" strike="noStrike" cap="none" normalizeH="0" baseline="0" dirty="0" smtClean="0">
+              <a:rPr kumimoji="0" lang="en-US" altLang="en-US" sz="2000" b="0" i="0" u="none" strike="noStrike" cap="none" normalizeH="0" baseline="0" dirty="0">
                 <a:ln>
                   <a:noFill/>
                 </a:ln>
@@ -3423,7 +3405,7 @@
               <a:t>="com.volkov.IoC.example6.ExampleBean1"</a:t>
             </a:r>
             <a:r>
-              <a:rPr kumimoji="0" lang="en-US" altLang="en-US" sz="2000" b="0" i="0" u="none" strike="noStrike" cap="none" normalizeH="0" baseline="0" dirty="0" smtClean="0">
+              <a:rPr kumimoji="0" lang="en-US" altLang="en-US" sz="2000" b="0" i="0" u="none" strike="noStrike" cap="none" normalizeH="0" baseline="0" dirty="0">
                 <a:ln>
                   <a:noFill/>
                 </a:ln>
@@ -3436,7 +3418,7 @@
               <a:t>/&gt;</a:t>
             </a:r>
             <a:br>
-              <a:rPr kumimoji="0" lang="en-US" altLang="en-US" sz="2000" b="0" i="0" u="none" strike="noStrike" cap="none" normalizeH="0" baseline="0" dirty="0" smtClean="0">
+              <a:rPr kumimoji="0" lang="en-US" altLang="en-US" sz="2000" b="0" i="0" u="none" strike="noStrike" cap="none" normalizeH="0" baseline="0" dirty="0">
                 <a:ln>
                   <a:noFill/>
                 </a:ln>
@@ -3448,7 +3430,7 @@
               </a:rPr>
             </a:br>
             <a:r>
-              <a:rPr kumimoji="0" lang="en-US" altLang="en-US" sz="2000" b="0" i="0" u="none" strike="noStrike" cap="none" normalizeH="0" baseline="0" dirty="0" smtClean="0">
+              <a:rPr kumimoji="0" lang="en-US" altLang="en-US" sz="2000" b="0" i="0" u="none" strike="noStrike" cap="none" normalizeH="0" baseline="0" dirty="0">
                 <a:ln>
                   <a:noFill/>
                 </a:ln>
@@ -3461,7 +3443,7 @@
               <a:t>&lt;bean </a:t>
             </a:r>
             <a:r>
-              <a:rPr kumimoji="0" lang="en-US" altLang="en-US" sz="2000" b="0" i="0" u="none" strike="noStrike" cap="none" normalizeH="0" baseline="0" dirty="0" smtClean="0">
+              <a:rPr kumimoji="0" lang="en-US" altLang="en-US" sz="2000" b="0" i="0" u="none" strike="noStrike" cap="none" normalizeH="0" baseline="0" dirty="0">
                 <a:ln>
                   <a:noFill/>
                 </a:ln>
@@ -3474,7 +3456,7 @@
               <a:t>name</a:t>
             </a:r>
             <a:r>
-              <a:rPr kumimoji="0" lang="en-US" altLang="en-US" sz="2000" b="0" i="0" u="none" strike="noStrike" cap="none" normalizeH="0" baseline="0" dirty="0" smtClean="0">
+              <a:rPr kumimoji="0" lang="en-US" altLang="en-US" sz="2000" b="0" i="0" u="none" strike="noStrike" cap="none" normalizeH="0" baseline="0" dirty="0">
                 <a:ln>
                   <a:noFill/>
                 </a:ln>
@@ -3487,7 +3469,7 @@
               <a:t>="exampleBean2" </a:t>
             </a:r>
             <a:r>
-              <a:rPr kumimoji="0" lang="en-US" altLang="en-US" sz="2000" b="0" i="0" u="none" strike="noStrike" cap="none" normalizeH="0" baseline="0" dirty="0" smtClean="0">
+              <a:rPr kumimoji="0" lang="en-US" altLang="en-US" sz="2000" b="0" i="0" u="none" strike="noStrike" cap="none" normalizeH="0" baseline="0" dirty="0">
                 <a:ln>
                   <a:noFill/>
                 </a:ln>
@@ -3500,7 +3482,7 @@
               <a:t>class</a:t>
             </a:r>
             <a:r>
-              <a:rPr kumimoji="0" lang="en-US" altLang="en-US" sz="2000" b="0" i="0" u="none" strike="noStrike" cap="none" normalizeH="0" baseline="0" dirty="0" smtClean="0">
+              <a:rPr kumimoji="0" lang="en-US" altLang="en-US" sz="2000" b="0" i="0" u="none" strike="noStrike" cap="none" normalizeH="0" baseline="0" dirty="0">
                 <a:ln>
                   <a:noFill/>
                 </a:ln>
@@ -3513,7 +3495,7 @@
               <a:t>="com.volkov.IoC.example6.ExampleBean2" </a:t>
             </a:r>
             <a:r>
-              <a:rPr kumimoji="0" lang="en-US" altLang="en-US" sz="2000" b="0" i="0" u="none" strike="noStrike" cap="none" normalizeH="0" baseline="0" dirty="0" smtClean="0">
+              <a:rPr kumimoji="0" lang="en-US" altLang="en-US" sz="2000" b="0" i="0" u="none" strike="noStrike" cap="none" normalizeH="0" baseline="0" dirty="0">
                 <a:ln>
                   <a:noFill/>
                 </a:ln>
@@ -3526,7 +3508,7 @@
               <a:t>lazy-</a:t>
             </a:r>
             <a:r>
-              <a:rPr kumimoji="0" lang="en-US" altLang="en-US" sz="2000" b="0" i="0" u="none" strike="noStrike" cap="none" normalizeH="0" baseline="0" dirty="0" err="1" smtClean="0">
+              <a:rPr kumimoji="0" lang="en-US" altLang="en-US" sz="2000" b="0" i="0" u="none" strike="noStrike" cap="none" normalizeH="0" baseline="0" dirty="0" err="1">
                 <a:ln>
                   <a:noFill/>
                 </a:ln>
@@ -3539,7 +3521,7 @@
               <a:t>init</a:t>
             </a:r>
             <a:r>
-              <a:rPr kumimoji="0" lang="en-US" altLang="en-US" sz="2000" b="0" i="0" u="none" strike="noStrike" cap="none" normalizeH="0" baseline="0" dirty="0" smtClean="0">
+              <a:rPr kumimoji="0" lang="en-US" altLang="en-US" sz="2000" b="0" i="0" u="none" strike="noStrike" cap="none" normalizeH="0" baseline="0" dirty="0">
                 <a:ln>
                   <a:noFill/>
                 </a:ln>
@@ -3552,7 +3534,7 @@
               <a:t>="default"</a:t>
             </a:r>
             <a:r>
-              <a:rPr kumimoji="0" lang="en-US" altLang="en-US" sz="2000" b="0" i="0" u="none" strike="noStrike" cap="none" normalizeH="0" baseline="0" dirty="0" smtClean="0">
+              <a:rPr kumimoji="0" lang="en-US" altLang="en-US" sz="2000" b="0" i="0" u="none" strike="noStrike" cap="none" normalizeH="0" baseline="0" dirty="0">
                 <a:ln>
                   <a:noFill/>
                 </a:ln>
@@ -3565,7 +3547,7 @@
               <a:t>/&gt;</a:t>
             </a:r>
             <a:br>
-              <a:rPr kumimoji="0" lang="en-US" altLang="en-US" sz="2000" b="0" i="0" u="none" strike="noStrike" cap="none" normalizeH="0" baseline="0" dirty="0" smtClean="0">
+              <a:rPr kumimoji="0" lang="en-US" altLang="en-US" sz="2000" b="0" i="0" u="none" strike="noStrike" cap="none" normalizeH="0" baseline="0" dirty="0">
                 <a:ln>
                   <a:noFill/>
                 </a:ln>
@@ -3577,7 +3559,7 @@
               </a:rPr>
             </a:br>
             <a:r>
-              <a:rPr kumimoji="0" lang="en-US" altLang="en-US" sz="2000" b="0" i="0" u="none" strike="noStrike" cap="none" normalizeH="0" baseline="0" dirty="0" smtClean="0">
+              <a:rPr kumimoji="0" lang="en-US" altLang="en-US" sz="2000" b="0" i="0" u="none" strike="noStrike" cap="none" normalizeH="0" baseline="0" dirty="0">
                 <a:ln>
                   <a:noFill/>
                 </a:ln>
@@ -3590,7 +3572,7 @@
               <a:t>&lt;bean </a:t>
             </a:r>
             <a:r>
-              <a:rPr kumimoji="0" lang="en-US" altLang="en-US" sz="2000" b="0" i="0" u="none" strike="noStrike" cap="none" normalizeH="0" baseline="0" dirty="0" smtClean="0">
+              <a:rPr kumimoji="0" lang="en-US" altLang="en-US" sz="2000" b="0" i="0" u="none" strike="noStrike" cap="none" normalizeH="0" baseline="0" dirty="0">
                 <a:ln>
                   <a:noFill/>
                 </a:ln>
@@ -3603,7 +3585,7 @@
               <a:t>name</a:t>
             </a:r>
             <a:r>
-              <a:rPr kumimoji="0" lang="en-US" altLang="en-US" sz="2000" b="0" i="0" u="none" strike="noStrike" cap="none" normalizeH="0" baseline="0" dirty="0" smtClean="0">
+              <a:rPr kumimoji="0" lang="en-US" altLang="en-US" sz="2000" b="0" i="0" u="none" strike="noStrike" cap="none" normalizeH="0" baseline="0" dirty="0">
                 <a:ln>
                   <a:noFill/>
                 </a:ln>
@@ -3616,7 +3598,7 @@
               <a:t>="exampleBean3" </a:t>
             </a:r>
             <a:r>
-              <a:rPr kumimoji="0" lang="en-US" altLang="en-US" sz="2000" b="0" i="0" u="none" strike="noStrike" cap="none" normalizeH="0" baseline="0" dirty="0" smtClean="0">
+              <a:rPr kumimoji="0" lang="en-US" altLang="en-US" sz="2000" b="0" i="0" u="none" strike="noStrike" cap="none" normalizeH="0" baseline="0" dirty="0">
                 <a:ln>
                   <a:noFill/>
                 </a:ln>
@@ -3629,7 +3611,7 @@
               <a:t>class</a:t>
             </a:r>
             <a:r>
-              <a:rPr kumimoji="0" lang="en-US" altLang="en-US" sz="2000" b="0" i="0" u="none" strike="noStrike" cap="none" normalizeH="0" baseline="0" dirty="0" smtClean="0">
+              <a:rPr kumimoji="0" lang="en-US" altLang="en-US" sz="2000" b="0" i="0" u="none" strike="noStrike" cap="none" normalizeH="0" baseline="0" dirty="0">
                 <a:ln>
                   <a:noFill/>
                 </a:ln>
@@ -3642,7 +3624,7 @@
               <a:t>="com.volkov.IoC.example6.ExampleBean3" </a:t>
             </a:r>
             <a:r>
-              <a:rPr kumimoji="0" lang="en-US" altLang="en-US" sz="2000" b="0" i="0" u="none" strike="noStrike" cap="none" normalizeH="0" baseline="0" dirty="0" smtClean="0">
+              <a:rPr kumimoji="0" lang="en-US" altLang="en-US" sz="2000" b="0" i="0" u="none" strike="noStrike" cap="none" normalizeH="0" baseline="0" dirty="0">
                 <a:ln>
                   <a:noFill/>
                 </a:ln>
@@ -3655,7 +3637,7 @@
               <a:t>lazy-</a:t>
             </a:r>
             <a:r>
-              <a:rPr kumimoji="0" lang="en-US" altLang="en-US" sz="2000" b="0" i="0" u="none" strike="noStrike" cap="none" normalizeH="0" baseline="0" dirty="0" err="1" smtClean="0">
+              <a:rPr kumimoji="0" lang="en-US" altLang="en-US" sz="2000" b="0" i="0" u="none" strike="noStrike" cap="none" normalizeH="0" baseline="0" dirty="0" err="1">
                 <a:ln>
                   <a:noFill/>
                 </a:ln>
@@ -3668,7 +3650,7 @@
               <a:t>init</a:t>
             </a:r>
             <a:r>
-              <a:rPr kumimoji="0" lang="en-US" altLang="en-US" sz="2000" b="0" i="0" u="none" strike="noStrike" cap="none" normalizeH="0" baseline="0" dirty="0" smtClean="0">
+              <a:rPr kumimoji="0" lang="en-US" altLang="en-US" sz="2000" b="0" i="0" u="none" strike="noStrike" cap="none" normalizeH="0" baseline="0" dirty="0">
                 <a:ln>
                   <a:noFill/>
                 </a:ln>
@@ -3681,7 +3663,7 @@
               <a:t>="false"</a:t>
             </a:r>
             <a:r>
-              <a:rPr kumimoji="0" lang="en-US" altLang="en-US" sz="2000" b="0" i="0" u="none" strike="noStrike" cap="none" normalizeH="0" baseline="0" dirty="0" smtClean="0">
+              <a:rPr kumimoji="0" lang="en-US" altLang="en-US" sz="2000" b="0" i="0" u="none" strike="noStrike" cap="none" normalizeH="0" baseline="0" dirty="0">
                 <a:ln>
                   <a:noFill/>
                 </a:ln>
@@ -3694,7 +3676,7 @@
               <a:t>/&gt;</a:t>
             </a:r>
             <a:br>
-              <a:rPr kumimoji="0" lang="en-US" altLang="en-US" sz="2000" b="0" i="0" u="none" strike="noStrike" cap="none" normalizeH="0" baseline="0" dirty="0" smtClean="0">
+              <a:rPr kumimoji="0" lang="en-US" altLang="en-US" sz="2000" b="0" i="0" u="none" strike="noStrike" cap="none" normalizeH="0" baseline="0" dirty="0">
                 <a:ln>
                   <a:noFill/>
                 </a:ln>
@@ -3706,7 +3688,7 @@
               </a:rPr>
             </a:br>
             <a:r>
-              <a:rPr kumimoji="0" lang="en-US" altLang="en-US" sz="2000" b="0" i="0" u="none" strike="noStrike" cap="none" normalizeH="0" baseline="0" dirty="0" smtClean="0">
+              <a:rPr kumimoji="0" lang="en-US" altLang="en-US" sz="2000" b="0" i="0" u="none" strike="noStrike" cap="none" normalizeH="0" baseline="0" dirty="0">
                 <a:ln>
                   <a:noFill/>
                 </a:ln>
@@ -3719,7 +3701,7 @@
               <a:t>&lt;bean </a:t>
             </a:r>
             <a:r>
-              <a:rPr kumimoji="0" lang="en-US" altLang="en-US" sz="2000" b="0" i="0" u="none" strike="noStrike" cap="none" normalizeH="0" baseline="0" dirty="0" smtClean="0">
+              <a:rPr kumimoji="0" lang="en-US" altLang="en-US" sz="2000" b="0" i="0" u="none" strike="noStrike" cap="none" normalizeH="0" baseline="0" dirty="0">
                 <a:ln>
                   <a:noFill/>
                 </a:ln>
@@ -3732,7 +3714,7 @@
               <a:t>name</a:t>
             </a:r>
             <a:r>
-              <a:rPr kumimoji="0" lang="en-US" altLang="en-US" sz="2000" b="0" i="0" u="none" strike="noStrike" cap="none" normalizeH="0" baseline="0" dirty="0" smtClean="0">
+              <a:rPr kumimoji="0" lang="en-US" altLang="en-US" sz="2000" b="0" i="0" u="none" strike="noStrike" cap="none" normalizeH="0" baseline="0" dirty="0">
                 <a:ln>
                   <a:noFill/>
                 </a:ln>
@@ -3745,7 +3727,7 @@
               <a:t>="exampleBean4" </a:t>
             </a:r>
             <a:r>
-              <a:rPr kumimoji="0" lang="en-US" altLang="en-US" sz="2000" b="0" i="0" u="none" strike="noStrike" cap="none" normalizeH="0" baseline="0" dirty="0" smtClean="0">
+              <a:rPr kumimoji="0" lang="en-US" altLang="en-US" sz="2000" b="0" i="0" u="none" strike="noStrike" cap="none" normalizeH="0" baseline="0" dirty="0">
                 <a:ln>
                   <a:noFill/>
                 </a:ln>
@@ -3758,7 +3740,7 @@
               <a:t>class</a:t>
             </a:r>
             <a:r>
-              <a:rPr kumimoji="0" lang="en-US" altLang="en-US" sz="2000" b="0" i="0" u="none" strike="noStrike" cap="none" normalizeH="0" baseline="0" dirty="0" smtClean="0">
+              <a:rPr kumimoji="0" lang="en-US" altLang="en-US" sz="2000" b="0" i="0" u="none" strike="noStrike" cap="none" normalizeH="0" baseline="0" dirty="0">
                 <a:ln>
                   <a:noFill/>
                 </a:ln>
@@ -3771,7 +3753,7 @@
               <a:t>="com.volkov.IoC.example6.ExampleBean4" </a:t>
             </a:r>
             <a:r>
-              <a:rPr kumimoji="0" lang="en-US" altLang="en-US" sz="2000" b="0" i="0" u="none" strike="noStrike" cap="none" normalizeH="0" baseline="0" dirty="0" smtClean="0">
+              <a:rPr kumimoji="0" lang="en-US" altLang="en-US" sz="2000" b="0" i="0" u="none" strike="noStrike" cap="none" normalizeH="0" baseline="0" dirty="0">
                 <a:ln>
                   <a:noFill/>
                 </a:ln>
@@ -3784,7 +3766,7 @@
               <a:t>lazy-</a:t>
             </a:r>
             <a:r>
-              <a:rPr kumimoji="0" lang="en-US" altLang="en-US" sz="2000" b="0" i="0" u="none" strike="noStrike" cap="none" normalizeH="0" baseline="0" dirty="0" err="1" smtClean="0">
+              <a:rPr kumimoji="0" lang="en-US" altLang="en-US" sz="2000" b="0" i="0" u="none" strike="noStrike" cap="none" normalizeH="0" baseline="0" dirty="0" err="1">
                 <a:ln>
                   <a:noFill/>
                 </a:ln>
@@ -3797,7 +3779,7 @@
               <a:t>init</a:t>
             </a:r>
             <a:r>
-              <a:rPr kumimoji="0" lang="en-US" altLang="en-US" sz="2000" b="0" i="0" u="none" strike="noStrike" cap="none" normalizeH="0" baseline="0" dirty="0" smtClean="0">
+              <a:rPr kumimoji="0" lang="en-US" altLang="en-US" sz="2000" b="0" i="0" u="none" strike="noStrike" cap="none" normalizeH="0" baseline="0" dirty="0">
                 <a:ln>
                   <a:noFill/>
                 </a:ln>
@@ -3810,7 +3792,7 @@
               <a:t>="true"</a:t>
             </a:r>
             <a:r>
-              <a:rPr kumimoji="0" lang="en-US" altLang="en-US" sz="2000" b="0" i="0" u="none" strike="noStrike" cap="none" normalizeH="0" baseline="0" dirty="0" smtClean="0">
+              <a:rPr kumimoji="0" lang="en-US" altLang="en-US" sz="2000" b="0" i="0" u="none" strike="noStrike" cap="none" normalizeH="0" baseline="0" dirty="0">
                 <a:ln>
                   <a:noFill/>
                 </a:ln>
@@ -3822,7 +3804,7 @@
               </a:rPr>
               <a:t>/&gt;</a:t>
             </a:r>
-            <a:endParaRPr kumimoji="0" lang="en-US" altLang="en-US" sz="2000" b="0" i="0" u="none" strike="noStrike" cap="none" normalizeH="0" baseline="0" dirty="0" smtClean="0">
+            <a:endParaRPr kumimoji="0" lang="en-US" altLang="en-US" sz="2000" b="0" i="0" u="none" strike="noStrike" cap="none" normalizeH="0" baseline="0" dirty="0">
               <a:ln>
                 <a:noFill/>
               </a:ln>

--- a/presentations/example6.pptx
+++ b/presentations/example6.pptx
@@ -6,8 +6,6 @@
   </p:sldMasterIdLst>
   <p:sldIdLst>
     <p:sldId id="257" r:id="rId2"/>
-    <p:sldId id="258" r:id="rId3"/>
-    <p:sldId id="259" r:id="rId4"/>
   </p:sldIdLst>
   <p:sldSz cx="12192000" cy="6858000"/>
   <p:notesSz cx="6858000" cy="9144000"/>
@@ -106,11 +104,6 @@
       </a:defRPr>
     </a:lvl9pPr>
   </p:defaultTextStyle>
-  <p:extLst>
-    <p:ext uri="{EFAFB233-063F-42B5-8137-9DF3F51BA10A}">
-      <p15:sldGuideLst xmlns:p15="http://schemas.microsoft.com/office/powerpoint/2012/main"/>
-    </p:ext>
-  </p:extLst>
 </p:presentation>
 </file>
 
@@ -156,9 +149,10 @@
           </a:lstStyle>
           <a:p>
             <a:r>
-              <a:rPr lang="en-US"/>
+              <a:rPr lang="en-US" smtClean="0"/>
               <a:t>Click to edit Master title style</a:t>
             </a:r>
+            <a:endParaRPr lang="en-US"/>
           </a:p>
         </p:txBody>
       </p:sp>
@@ -220,9 +214,10 @@
           </a:lstStyle>
           <a:p>
             <a:r>
-              <a:rPr lang="en-US"/>
+              <a:rPr lang="en-US" smtClean="0"/>
               <a:t>Click to edit Master subtitle style</a:t>
             </a:r>
+            <a:endParaRPr lang="en-US"/>
           </a:p>
         </p:txBody>
       </p:sp>
@@ -241,9 +236,9 @@
           <a:bodyPr/>
           <a:lstStyle/>
           <a:p>
-            <a:fld id="{2A0A4212-B79C-4FEA-9CE5-23D9BD6897E2}" type="datetimeFigureOut">
-              <a:rPr lang="en-US" smtClean="0"/>
-              <a:t>5/8/2021</a:t>
+            <a:fld id="{39A44F1F-1F67-4CB6-9C86-CA7336F24955}" type="datetimeFigureOut">
+              <a:rPr lang="en-US" smtClean="0"/>
+              <a:t>5/10/2021</a:t>
             </a:fld>
             <a:endParaRPr lang="en-US"/>
           </a:p>
@@ -283,7 +278,7 @@
           <a:bodyPr/>
           <a:lstStyle/>
           <a:p>
-            <a:fld id="{2F0268F6-00CE-4352-8398-A9D96D9F1344}" type="slidenum">
+            <a:fld id="{27D054A3-FA69-4E26-A386-1F10AEBD58D4}" type="slidenum">
               <a:rPr lang="en-US" smtClean="0"/>
               <a:t>‹#›</a:t>
             </a:fld>
@@ -294,7 +289,7 @@
     </p:spTree>
     <p:extLst>
       <p:ext uri="{BB962C8B-B14F-4D97-AF65-F5344CB8AC3E}">
-        <p14:creationId xmlns:p14="http://schemas.microsoft.com/office/powerpoint/2010/main" val="3561194038"/>
+        <p14:creationId xmlns:p14="http://schemas.microsoft.com/office/powerpoint/2010/main" val="1202163179"/>
       </p:ext>
     </p:extLst>
   </p:cSld>
@@ -337,9 +332,10 @@
           <a:lstStyle/>
           <a:p>
             <a:r>
-              <a:rPr lang="en-US"/>
+              <a:rPr lang="en-US" smtClean="0"/>
               <a:t>Click to edit Master title style</a:t>
             </a:r>
+            <a:endParaRPr lang="en-US"/>
           </a:p>
         </p:txBody>
       </p:sp>
@@ -360,37 +356,38 @@
           <a:p>
             <a:pPr lvl="0"/>
             <a:r>
-              <a:rPr lang="en-US"/>
+              <a:rPr lang="en-US" smtClean="0"/>
               <a:t>Edit Master text styles</a:t>
             </a:r>
           </a:p>
           <a:p>
             <a:pPr lvl="1"/>
             <a:r>
-              <a:rPr lang="en-US"/>
+              <a:rPr lang="en-US" smtClean="0"/>
               <a:t>Second level</a:t>
             </a:r>
           </a:p>
           <a:p>
             <a:pPr lvl="2"/>
             <a:r>
-              <a:rPr lang="en-US"/>
+              <a:rPr lang="en-US" smtClean="0"/>
               <a:t>Third level</a:t>
             </a:r>
           </a:p>
           <a:p>
             <a:pPr lvl="3"/>
             <a:r>
-              <a:rPr lang="en-US"/>
+              <a:rPr lang="en-US" smtClean="0"/>
               <a:t>Fourth level</a:t>
             </a:r>
           </a:p>
           <a:p>
             <a:pPr lvl="4"/>
             <a:r>
-              <a:rPr lang="en-US"/>
+              <a:rPr lang="en-US" smtClean="0"/>
               <a:t>Fifth level</a:t>
             </a:r>
+            <a:endParaRPr lang="en-US"/>
           </a:p>
         </p:txBody>
       </p:sp>
@@ -409,9 +406,9 @@
           <a:bodyPr/>
           <a:lstStyle/>
           <a:p>
-            <a:fld id="{2A0A4212-B79C-4FEA-9CE5-23D9BD6897E2}" type="datetimeFigureOut">
-              <a:rPr lang="en-US" smtClean="0"/>
-              <a:t>5/8/2021</a:t>
+            <a:fld id="{39A44F1F-1F67-4CB6-9C86-CA7336F24955}" type="datetimeFigureOut">
+              <a:rPr lang="en-US" smtClean="0"/>
+              <a:t>5/10/2021</a:t>
             </a:fld>
             <a:endParaRPr lang="en-US"/>
           </a:p>
@@ -451,7 +448,7 @@
           <a:bodyPr/>
           <a:lstStyle/>
           <a:p>
-            <a:fld id="{2F0268F6-00CE-4352-8398-A9D96D9F1344}" type="slidenum">
+            <a:fld id="{27D054A3-FA69-4E26-A386-1F10AEBD58D4}" type="slidenum">
               <a:rPr lang="en-US" smtClean="0"/>
               <a:t>‹#›</a:t>
             </a:fld>
@@ -462,7 +459,7 @@
     </p:spTree>
     <p:extLst>
       <p:ext uri="{BB962C8B-B14F-4D97-AF65-F5344CB8AC3E}">
-        <p14:creationId xmlns:p14="http://schemas.microsoft.com/office/powerpoint/2010/main" val="4107960809"/>
+        <p14:creationId xmlns:p14="http://schemas.microsoft.com/office/powerpoint/2010/main" val="3628966573"/>
       </p:ext>
     </p:extLst>
   </p:cSld>
@@ -510,9 +507,10 @@
           <a:lstStyle/>
           <a:p>
             <a:r>
-              <a:rPr lang="en-US"/>
+              <a:rPr lang="en-US" smtClean="0"/>
               <a:t>Click to edit Master title style</a:t>
             </a:r>
+            <a:endParaRPr lang="en-US"/>
           </a:p>
         </p:txBody>
       </p:sp>
@@ -538,37 +536,38 @@
           <a:p>
             <a:pPr lvl="0"/>
             <a:r>
-              <a:rPr lang="en-US"/>
+              <a:rPr lang="en-US" smtClean="0"/>
               <a:t>Edit Master text styles</a:t>
             </a:r>
           </a:p>
           <a:p>
             <a:pPr lvl="1"/>
             <a:r>
-              <a:rPr lang="en-US"/>
+              <a:rPr lang="en-US" smtClean="0"/>
               <a:t>Second level</a:t>
             </a:r>
           </a:p>
           <a:p>
             <a:pPr lvl="2"/>
             <a:r>
-              <a:rPr lang="en-US"/>
+              <a:rPr lang="en-US" smtClean="0"/>
               <a:t>Third level</a:t>
             </a:r>
           </a:p>
           <a:p>
             <a:pPr lvl="3"/>
             <a:r>
-              <a:rPr lang="en-US"/>
+              <a:rPr lang="en-US" smtClean="0"/>
               <a:t>Fourth level</a:t>
             </a:r>
           </a:p>
           <a:p>
             <a:pPr lvl="4"/>
             <a:r>
-              <a:rPr lang="en-US"/>
+              <a:rPr lang="en-US" smtClean="0"/>
               <a:t>Fifth level</a:t>
             </a:r>
+            <a:endParaRPr lang="en-US"/>
           </a:p>
         </p:txBody>
       </p:sp>
@@ -587,9 +586,9 @@
           <a:bodyPr/>
           <a:lstStyle/>
           <a:p>
-            <a:fld id="{2A0A4212-B79C-4FEA-9CE5-23D9BD6897E2}" type="datetimeFigureOut">
-              <a:rPr lang="en-US" smtClean="0"/>
-              <a:t>5/8/2021</a:t>
+            <a:fld id="{39A44F1F-1F67-4CB6-9C86-CA7336F24955}" type="datetimeFigureOut">
+              <a:rPr lang="en-US" smtClean="0"/>
+              <a:t>5/10/2021</a:t>
             </a:fld>
             <a:endParaRPr lang="en-US"/>
           </a:p>
@@ -629,7 +628,7 @@
           <a:bodyPr/>
           <a:lstStyle/>
           <a:p>
-            <a:fld id="{2F0268F6-00CE-4352-8398-A9D96D9F1344}" type="slidenum">
+            <a:fld id="{27D054A3-FA69-4E26-A386-1F10AEBD58D4}" type="slidenum">
               <a:rPr lang="en-US" smtClean="0"/>
               <a:t>‹#›</a:t>
             </a:fld>
@@ -640,7 +639,7 @@
     </p:spTree>
     <p:extLst>
       <p:ext uri="{BB962C8B-B14F-4D97-AF65-F5344CB8AC3E}">
-        <p14:creationId xmlns:p14="http://schemas.microsoft.com/office/powerpoint/2010/main" val="270030663"/>
+        <p14:creationId xmlns:p14="http://schemas.microsoft.com/office/powerpoint/2010/main" val="4044502307"/>
       </p:ext>
     </p:extLst>
   </p:cSld>
@@ -683,9 +682,10 @@
           <a:lstStyle/>
           <a:p>
             <a:r>
-              <a:rPr lang="en-US"/>
+              <a:rPr lang="en-US" smtClean="0"/>
               <a:t>Click to edit Master title style</a:t>
             </a:r>
+            <a:endParaRPr lang="en-US"/>
           </a:p>
         </p:txBody>
       </p:sp>
@@ -706,37 +706,38 @@
           <a:p>
             <a:pPr lvl="0"/>
             <a:r>
-              <a:rPr lang="en-US"/>
+              <a:rPr lang="en-US" smtClean="0"/>
               <a:t>Edit Master text styles</a:t>
             </a:r>
           </a:p>
           <a:p>
             <a:pPr lvl="1"/>
             <a:r>
-              <a:rPr lang="en-US"/>
+              <a:rPr lang="en-US" smtClean="0"/>
               <a:t>Second level</a:t>
             </a:r>
           </a:p>
           <a:p>
             <a:pPr lvl="2"/>
             <a:r>
-              <a:rPr lang="en-US"/>
+              <a:rPr lang="en-US" smtClean="0"/>
               <a:t>Third level</a:t>
             </a:r>
           </a:p>
           <a:p>
             <a:pPr lvl="3"/>
             <a:r>
-              <a:rPr lang="en-US"/>
+              <a:rPr lang="en-US" smtClean="0"/>
               <a:t>Fourth level</a:t>
             </a:r>
           </a:p>
           <a:p>
             <a:pPr lvl="4"/>
             <a:r>
-              <a:rPr lang="en-US"/>
+              <a:rPr lang="en-US" smtClean="0"/>
               <a:t>Fifth level</a:t>
             </a:r>
+            <a:endParaRPr lang="en-US"/>
           </a:p>
         </p:txBody>
       </p:sp>
@@ -755,9 +756,9 @@
           <a:bodyPr/>
           <a:lstStyle/>
           <a:p>
-            <a:fld id="{2A0A4212-B79C-4FEA-9CE5-23D9BD6897E2}" type="datetimeFigureOut">
-              <a:rPr lang="en-US" smtClean="0"/>
-              <a:t>5/8/2021</a:t>
+            <a:fld id="{39A44F1F-1F67-4CB6-9C86-CA7336F24955}" type="datetimeFigureOut">
+              <a:rPr lang="en-US" smtClean="0"/>
+              <a:t>5/10/2021</a:t>
             </a:fld>
             <a:endParaRPr lang="en-US"/>
           </a:p>
@@ -797,7 +798,7 @@
           <a:bodyPr/>
           <a:lstStyle/>
           <a:p>
-            <a:fld id="{2F0268F6-00CE-4352-8398-A9D96D9F1344}" type="slidenum">
+            <a:fld id="{27D054A3-FA69-4E26-A386-1F10AEBD58D4}" type="slidenum">
               <a:rPr lang="en-US" smtClean="0"/>
               <a:t>‹#›</a:t>
             </a:fld>
@@ -808,7 +809,7 @@
     </p:spTree>
     <p:extLst>
       <p:ext uri="{BB962C8B-B14F-4D97-AF65-F5344CB8AC3E}">
-        <p14:creationId xmlns:p14="http://schemas.microsoft.com/office/powerpoint/2010/main" val="3695097825"/>
+        <p14:creationId xmlns:p14="http://schemas.microsoft.com/office/powerpoint/2010/main" val="1614176326"/>
       </p:ext>
     </p:extLst>
   </p:cSld>
@@ -860,9 +861,10 @@
           </a:lstStyle>
           <a:p>
             <a:r>
-              <a:rPr lang="en-US"/>
+              <a:rPr lang="en-US" smtClean="0"/>
               <a:t>Click to edit Master title style</a:t>
             </a:r>
+            <a:endParaRPr lang="en-US"/>
           </a:p>
         </p:txBody>
       </p:sp>
@@ -979,7 +981,7 @@
           <a:p>
             <a:pPr lvl="0"/>
             <a:r>
-              <a:rPr lang="en-US"/>
+              <a:rPr lang="en-US" smtClean="0"/>
               <a:t>Edit Master text styles</a:t>
             </a:r>
           </a:p>
@@ -1000,9 +1002,9 @@
           <a:bodyPr/>
           <a:lstStyle/>
           <a:p>
-            <a:fld id="{2A0A4212-B79C-4FEA-9CE5-23D9BD6897E2}" type="datetimeFigureOut">
-              <a:rPr lang="en-US" smtClean="0"/>
-              <a:t>5/8/2021</a:t>
+            <a:fld id="{39A44F1F-1F67-4CB6-9C86-CA7336F24955}" type="datetimeFigureOut">
+              <a:rPr lang="en-US" smtClean="0"/>
+              <a:t>5/10/2021</a:t>
             </a:fld>
             <a:endParaRPr lang="en-US"/>
           </a:p>
@@ -1042,7 +1044,7 @@
           <a:bodyPr/>
           <a:lstStyle/>
           <a:p>
-            <a:fld id="{2F0268F6-00CE-4352-8398-A9D96D9F1344}" type="slidenum">
+            <a:fld id="{27D054A3-FA69-4E26-A386-1F10AEBD58D4}" type="slidenum">
               <a:rPr lang="en-US" smtClean="0"/>
               <a:t>‹#›</a:t>
             </a:fld>
@@ -1053,7 +1055,7 @@
     </p:spTree>
     <p:extLst>
       <p:ext uri="{BB962C8B-B14F-4D97-AF65-F5344CB8AC3E}">
-        <p14:creationId xmlns:p14="http://schemas.microsoft.com/office/powerpoint/2010/main" val="2328561139"/>
+        <p14:creationId xmlns:p14="http://schemas.microsoft.com/office/powerpoint/2010/main" val="2574333786"/>
       </p:ext>
     </p:extLst>
   </p:cSld>
@@ -1096,9 +1098,10 @@
           <a:lstStyle/>
           <a:p>
             <a:r>
-              <a:rPr lang="en-US"/>
+              <a:rPr lang="en-US" smtClean="0"/>
               <a:t>Click to edit Master title style</a:t>
             </a:r>
+            <a:endParaRPr lang="en-US"/>
           </a:p>
         </p:txBody>
       </p:sp>
@@ -1124,37 +1127,38 @@
           <a:p>
             <a:pPr lvl="0"/>
             <a:r>
-              <a:rPr lang="en-US"/>
+              <a:rPr lang="en-US" smtClean="0"/>
               <a:t>Edit Master text styles</a:t>
             </a:r>
           </a:p>
           <a:p>
             <a:pPr lvl="1"/>
             <a:r>
-              <a:rPr lang="en-US"/>
+              <a:rPr lang="en-US" smtClean="0"/>
               <a:t>Second level</a:t>
             </a:r>
           </a:p>
           <a:p>
             <a:pPr lvl="2"/>
             <a:r>
-              <a:rPr lang="en-US"/>
+              <a:rPr lang="en-US" smtClean="0"/>
               <a:t>Third level</a:t>
             </a:r>
           </a:p>
           <a:p>
             <a:pPr lvl="3"/>
             <a:r>
-              <a:rPr lang="en-US"/>
+              <a:rPr lang="en-US" smtClean="0"/>
               <a:t>Fourth level</a:t>
             </a:r>
           </a:p>
           <a:p>
             <a:pPr lvl="4"/>
             <a:r>
-              <a:rPr lang="en-US"/>
+              <a:rPr lang="en-US" smtClean="0"/>
               <a:t>Fifth level</a:t>
             </a:r>
+            <a:endParaRPr lang="en-US"/>
           </a:p>
         </p:txBody>
       </p:sp>
@@ -1180,37 +1184,38 @@
           <a:p>
             <a:pPr lvl="0"/>
             <a:r>
-              <a:rPr lang="en-US"/>
+              <a:rPr lang="en-US" smtClean="0"/>
               <a:t>Edit Master text styles</a:t>
             </a:r>
           </a:p>
           <a:p>
             <a:pPr lvl="1"/>
             <a:r>
-              <a:rPr lang="en-US"/>
+              <a:rPr lang="en-US" smtClean="0"/>
               <a:t>Second level</a:t>
             </a:r>
           </a:p>
           <a:p>
             <a:pPr lvl="2"/>
             <a:r>
-              <a:rPr lang="en-US"/>
+              <a:rPr lang="en-US" smtClean="0"/>
               <a:t>Third level</a:t>
             </a:r>
           </a:p>
           <a:p>
             <a:pPr lvl="3"/>
             <a:r>
-              <a:rPr lang="en-US"/>
+              <a:rPr lang="en-US" smtClean="0"/>
               <a:t>Fourth level</a:t>
             </a:r>
           </a:p>
           <a:p>
             <a:pPr lvl="4"/>
             <a:r>
-              <a:rPr lang="en-US"/>
+              <a:rPr lang="en-US" smtClean="0"/>
               <a:t>Fifth level</a:t>
             </a:r>
+            <a:endParaRPr lang="en-US"/>
           </a:p>
         </p:txBody>
       </p:sp>
@@ -1229,9 +1234,9 @@
           <a:bodyPr/>
           <a:lstStyle/>
           <a:p>
-            <a:fld id="{2A0A4212-B79C-4FEA-9CE5-23D9BD6897E2}" type="datetimeFigureOut">
-              <a:rPr lang="en-US" smtClean="0"/>
-              <a:t>5/8/2021</a:t>
+            <a:fld id="{39A44F1F-1F67-4CB6-9C86-CA7336F24955}" type="datetimeFigureOut">
+              <a:rPr lang="en-US" smtClean="0"/>
+              <a:t>5/10/2021</a:t>
             </a:fld>
             <a:endParaRPr lang="en-US"/>
           </a:p>
@@ -1271,7 +1276,7 @@
           <a:bodyPr/>
           <a:lstStyle/>
           <a:p>
-            <a:fld id="{2F0268F6-00CE-4352-8398-A9D96D9F1344}" type="slidenum">
+            <a:fld id="{27D054A3-FA69-4E26-A386-1F10AEBD58D4}" type="slidenum">
               <a:rPr lang="en-US" smtClean="0"/>
               <a:t>‹#›</a:t>
             </a:fld>
@@ -1282,7 +1287,7 @@
     </p:spTree>
     <p:extLst>
       <p:ext uri="{BB962C8B-B14F-4D97-AF65-F5344CB8AC3E}">
-        <p14:creationId xmlns:p14="http://schemas.microsoft.com/office/powerpoint/2010/main" val="1329816911"/>
+        <p14:creationId xmlns:p14="http://schemas.microsoft.com/office/powerpoint/2010/main" val="770110244"/>
       </p:ext>
     </p:extLst>
   </p:cSld>
@@ -1330,9 +1335,10 @@
           <a:lstStyle/>
           <a:p>
             <a:r>
-              <a:rPr lang="en-US"/>
+              <a:rPr lang="en-US" smtClean="0"/>
               <a:t>Click to edit Master title style</a:t>
             </a:r>
+            <a:endParaRPr lang="en-US"/>
           </a:p>
         </p:txBody>
       </p:sp>
@@ -1395,7 +1401,7 @@
           <a:p>
             <a:pPr lvl="0"/>
             <a:r>
-              <a:rPr lang="en-US"/>
+              <a:rPr lang="en-US" smtClean="0"/>
               <a:t>Edit Master text styles</a:t>
             </a:r>
           </a:p>
@@ -1423,37 +1429,38 @@
           <a:p>
             <a:pPr lvl="0"/>
             <a:r>
-              <a:rPr lang="en-US"/>
+              <a:rPr lang="en-US" smtClean="0"/>
               <a:t>Edit Master text styles</a:t>
             </a:r>
           </a:p>
           <a:p>
             <a:pPr lvl="1"/>
             <a:r>
-              <a:rPr lang="en-US"/>
+              <a:rPr lang="en-US" smtClean="0"/>
               <a:t>Second level</a:t>
             </a:r>
           </a:p>
           <a:p>
             <a:pPr lvl="2"/>
             <a:r>
-              <a:rPr lang="en-US"/>
+              <a:rPr lang="en-US" smtClean="0"/>
               <a:t>Third level</a:t>
             </a:r>
           </a:p>
           <a:p>
             <a:pPr lvl="3"/>
             <a:r>
-              <a:rPr lang="en-US"/>
+              <a:rPr lang="en-US" smtClean="0"/>
               <a:t>Fourth level</a:t>
             </a:r>
           </a:p>
           <a:p>
             <a:pPr lvl="4"/>
             <a:r>
-              <a:rPr lang="en-US"/>
+              <a:rPr lang="en-US" smtClean="0"/>
               <a:t>Fifth level</a:t>
             </a:r>
+            <a:endParaRPr lang="en-US"/>
           </a:p>
         </p:txBody>
       </p:sp>
@@ -1516,7 +1523,7 @@
           <a:p>
             <a:pPr lvl="0"/>
             <a:r>
-              <a:rPr lang="en-US"/>
+              <a:rPr lang="en-US" smtClean="0"/>
               <a:t>Edit Master text styles</a:t>
             </a:r>
           </a:p>
@@ -1544,37 +1551,38 @@
           <a:p>
             <a:pPr lvl="0"/>
             <a:r>
-              <a:rPr lang="en-US"/>
+              <a:rPr lang="en-US" smtClean="0"/>
               <a:t>Edit Master text styles</a:t>
             </a:r>
           </a:p>
           <a:p>
             <a:pPr lvl="1"/>
             <a:r>
-              <a:rPr lang="en-US"/>
+              <a:rPr lang="en-US" smtClean="0"/>
               <a:t>Second level</a:t>
             </a:r>
           </a:p>
           <a:p>
             <a:pPr lvl="2"/>
             <a:r>
-              <a:rPr lang="en-US"/>
+              <a:rPr lang="en-US" smtClean="0"/>
               <a:t>Third level</a:t>
             </a:r>
           </a:p>
           <a:p>
             <a:pPr lvl="3"/>
             <a:r>
-              <a:rPr lang="en-US"/>
+              <a:rPr lang="en-US" smtClean="0"/>
               <a:t>Fourth level</a:t>
             </a:r>
           </a:p>
           <a:p>
             <a:pPr lvl="4"/>
             <a:r>
-              <a:rPr lang="en-US"/>
+              <a:rPr lang="en-US" smtClean="0"/>
               <a:t>Fifth level</a:t>
             </a:r>
+            <a:endParaRPr lang="en-US"/>
           </a:p>
         </p:txBody>
       </p:sp>
@@ -1593,9 +1601,9 @@
           <a:bodyPr/>
           <a:lstStyle/>
           <a:p>
-            <a:fld id="{2A0A4212-B79C-4FEA-9CE5-23D9BD6897E2}" type="datetimeFigureOut">
-              <a:rPr lang="en-US" smtClean="0"/>
-              <a:t>5/8/2021</a:t>
+            <a:fld id="{39A44F1F-1F67-4CB6-9C86-CA7336F24955}" type="datetimeFigureOut">
+              <a:rPr lang="en-US" smtClean="0"/>
+              <a:t>5/10/2021</a:t>
             </a:fld>
             <a:endParaRPr lang="en-US"/>
           </a:p>
@@ -1635,7 +1643,7 @@
           <a:bodyPr/>
           <a:lstStyle/>
           <a:p>
-            <a:fld id="{2F0268F6-00CE-4352-8398-A9D96D9F1344}" type="slidenum">
+            <a:fld id="{27D054A3-FA69-4E26-A386-1F10AEBD58D4}" type="slidenum">
               <a:rPr lang="en-US" smtClean="0"/>
               <a:t>‹#›</a:t>
             </a:fld>
@@ -1646,7 +1654,7 @@
     </p:spTree>
     <p:extLst>
       <p:ext uri="{BB962C8B-B14F-4D97-AF65-F5344CB8AC3E}">
-        <p14:creationId xmlns:p14="http://schemas.microsoft.com/office/powerpoint/2010/main" val="2358168457"/>
+        <p14:creationId xmlns:p14="http://schemas.microsoft.com/office/powerpoint/2010/main" val="144719825"/>
       </p:ext>
     </p:extLst>
   </p:cSld>
@@ -1689,9 +1697,10 @@
           <a:lstStyle/>
           <a:p>
             <a:r>
-              <a:rPr lang="en-US"/>
+              <a:rPr lang="en-US" smtClean="0"/>
               <a:t>Click to edit Master title style</a:t>
             </a:r>
+            <a:endParaRPr lang="en-US"/>
           </a:p>
         </p:txBody>
       </p:sp>
@@ -1710,9 +1719,9 @@
           <a:bodyPr/>
           <a:lstStyle/>
           <a:p>
-            <a:fld id="{2A0A4212-B79C-4FEA-9CE5-23D9BD6897E2}" type="datetimeFigureOut">
-              <a:rPr lang="en-US" smtClean="0"/>
-              <a:t>5/8/2021</a:t>
+            <a:fld id="{39A44F1F-1F67-4CB6-9C86-CA7336F24955}" type="datetimeFigureOut">
+              <a:rPr lang="en-US" smtClean="0"/>
+              <a:t>5/10/2021</a:t>
             </a:fld>
             <a:endParaRPr lang="en-US"/>
           </a:p>
@@ -1752,7 +1761,7 @@
           <a:bodyPr/>
           <a:lstStyle/>
           <a:p>
-            <a:fld id="{2F0268F6-00CE-4352-8398-A9D96D9F1344}" type="slidenum">
+            <a:fld id="{27D054A3-FA69-4E26-A386-1F10AEBD58D4}" type="slidenum">
               <a:rPr lang="en-US" smtClean="0"/>
               <a:t>‹#›</a:t>
             </a:fld>
@@ -1763,7 +1772,7 @@
     </p:spTree>
     <p:extLst>
       <p:ext uri="{BB962C8B-B14F-4D97-AF65-F5344CB8AC3E}">
-        <p14:creationId xmlns:p14="http://schemas.microsoft.com/office/powerpoint/2010/main" val="3587636180"/>
+        <p14:creationId xmlns:p14="http://schemas.microsoft.com/office/powerpoint/2010/main" val="2103331493"/>
       </p:ext>
     </p:extLst>
   </p:cSld>
@@ -1805,9 +1814,9 @@
           <a:bodyPr/>
           <a:lstStyle/>
           <a:p>
-            <a:fld id="{2A0A4212-B79C-4FEA-9CE5-23D9BD6897E2}" type="datetimeFigureOut">
-              <a:rPr lang="en-US" smtClean="0"/>
-              <a:t>5/8/2021</a:t>
+            <a:fld id="{39A44F1F-1F67-4CB6-9C86-CA7336F24955}" type="datetimeFigureOut">
+              <a:rPr lang="en-US" smtClean="0"/>
+              <a:t>5/10/2021</a:t>
             </a:fld>
             <a:endParaRPr lang="en-US"/>
           </a:p>
@@ -1847,7 +1856,7 @@
           <a:bodyPr/>
           <a:lstStyle/>
           <a:p>
-            <a:fld id="{2F0268F6-00CE-4352-8398-A9D96D9F1344}" type="slidenum">
+            <a:fld id="{27D054A3-FA69-4E26-A386-1F10AEBD58D4}" type="slidenum">
               <a:rPr lang="en-US" smtClean="0"/>
               <a:t>‹#›</a:t>
             </a:fld>
@@ -1858,7 +1867,7 @@
     </p:spTree>
     <p:extLst>
       <p:ext uri="{BB962C8B-B14F-4D97-AF65-F5344CB8AC3E}">
-        <p14:creationId xmlns:p14="http://schemas.microsoft.com/office/powerpoint/2010/main" val="2413282510"/>
+        <p14:creationId xmlns:p14="http://schemas.microsoft.com/office/powerpoint/2010/main" val="1769218716"/>
       </p:ext>
     </p:extLst>
   </p:cSld>
@@ -1910,9 +1919,10 @@
           </a:lstStyle>
           <a:p>
             <a:r>
-              <a:rPr lang="en-US"/>
+              <a:rPr lang="en-US" smtClean="0"/>
               <a:t>Click to edit Master title style</a:t>
             </a:r>
+            <a:endParaRPr lang="en-US"/>
           </a:p>
         </p:txBody>
       </p:sp>
@@ -1966,37 +1976,38 @@
           <a:p>
             <a:pPr lvl="0"/>
             <a:r>
-              <a:rPr lang="en-US"/>
+              <a:rPr lang="en-US" smtClean="0"/>
               <a:t>Edit Master text styles</a:t>
             </a:r>
           </a:p>
           <a:p>
             <a:pPr lvl="1"/>
             <a:r>
-              <a:rPr lang="en-US"/>
+              <a:rPr lang="en-US" smtClean="0"/>
               <a:t>Second level</a:t>
             </a:r>
           </a:p>
           <a:p>
             <a:pPr lvl="2"/>
             <a:r>
-              <a:rPr lang="en-US"/>
+              <a:rPr lang="en-US" smtClean="0"/>
               <a:t>Third level</a:t>
             </a:r>
           </a:p>
           <a:p>
             <a:pPr lvl="3"/>
             <a:r>
-              <a:rPr lang="en-US"/>
+              <a:rPr lang="en-US" smtClean="0"/>
               <a:t>Fourth level</a:t>
             </a:r>
           </a:p>
           <a:p>
             <a:pPr lvl="4"/>
             <a:r>
-              <a:rPr lang="en-US"/>
+              <a:rPr lang="en-US" smtClean="0"/>
               <a:t>Fifth level</a:t>
             </a:r>
+            <a:endParaRPr lang="en-US"/>
           </a:p>
         </p:txBody>
       </p:sp>
@@ -2059,7 +2070,7 @@
           <a:p>
             <a:pPr lvl="0"/>
             <a:r>
-              <a:rPr lang="en-US"/>
+              <a:rPr lang="en-US" smtClean="0"/>
               <a:t>Edit Master text styles</a:t>
             </a:r>
           </a:p>
@@ -2080,9 +2091,9 @@
           <a:bodyPr/>
           <a:lstStyle/>
           <a:p>
-            <a:fld id="{2A0A4212-B79C-4FEA-9CE5-23D9BD6897E2}" type="datetimeFigureOut">
-              <a:rPr lang="en-US" smtClean="0"/>
-              <a:t>5/8/2021</a:t>
+            <a:fld id="{39A44F1F-1F67-4CB6-9C86-CA7336F24955}" type="datetimeFigureOut">
+              <a:rPr lang="en-US" smtClean="0"/>
+              <a:t>5/10/2021</a:t>
             </a:fld>
             <a:endParaRPr lang="en-US"/>
           </a:p>
@@ -2122,7 +2133,7 @@
           <a:bodyPr/>
           <a:lstStyle/>
           <a:p>
-            <a:fld id="{2F0268F6-00CE-4352-8398-A9D96D9F1344}" type="slidenum">
+            <a:fld id="{27D054A3-FA69-4E26-A386-1F10AEBD58D4}" type="slidenum">
               <a:rPr lang="en-US" smtClean="0"/>
               <a:t>‹#›</a:t>
             </a:fld>
@@ -2133,7 +2144,7 @@
     </p:spTree>
     <p:extLst>
       <p:ext uri="{BB962C8B-B14F-4D97-AF65-F5344CB8AC3E}">
-        <p14:creationId xmlns:p14="http://schemas.microsoft.com/office/powerpoint/2010/main" val="3420517481"/>
+        <p14:creationId xmlns:p14="http://schemas.microsoft.com/office/powerpoint/2010/main" val="1487283093"/>
       </p:ext>
     </p:extLst>
   </p:cSld>
@@ -2185,9 +2196,10 @@
           </a:lstStyle>
           <a:p>
             <a:r>
-              <a:rPr lang="en-US"/>
+              <a:rPr lang="en-US" smtClean="0"/>
               <a:t>Click to edit Master title style</a:t>
             </a:r>
+            <a:endParaRPr lang="en-US"/>
           </a:p>
         </p:txBody>
       </p:sp>
@@ -2311,7 +2323,7 @@
           <a:p>
             <a:pPr lvl="0"/>
             <a:r>
-              <a:rPr lang="en-US"/>
+              <a:rPr lang="en-US" smtClean="0"/>
               <a:t>Edit Master text styles</a:t>
             </a:r>
           </a:p>
@@ -2332,9 +2344,9 @@
           <a:bodyPr/>
           <a:lstStyle/>
           <a:p>
-            <a:fld id="{2A0A4212-B79C-4FEA-9CE5-23D9BD6897E2}" type="datetimeFigureOut">
-              <a:rPr lang="en-US" smtClean="0"/>
-              <a:t>5/8/2021</a:t>
+            <a:fld id="{39A44F1F-1F67-4CB6-9C86-CA7336F24955}" type="datetimeFigureOut">
+              <a:rPr lang="en-US" smtClean="0"/>
+              <a:t>5/10/2021</a:t>
             </a:fld>
             <a:endParaRPr lang="en-US"/>
           </a:p>
@@ -2374,7 +2386,7 @@
           <a:bodyPr/>
           <a:lstStyle/>
           <a:p>
-            <a:fld id="{2F0268F6-00CE-4352-8398-A9D96D9F1344}" type="slidenum">
+            <a:fld id="{27D054A3-FA69-4E26-A386-1F10AEBD58D4}" type="slidenum">
               <a:rPr lang="en-US" smtClean="0"/>
               <a:t>‹#›</a:t>
             </a:fld>
@@ -2385,7 +2397,7 @@
     </p:spTree>
     <p:extLst>
       <p:ext uri="{BB962C8B-B14F-4D97-AF65-F5344CB8AC3E}">
-        <p14:creationId xmlns:p14="http://schemas.microsoft.com/office/powerpoint/2010/main" val="3189045320"/>
+        <p14:creationId xmlns:p14="http://schemas.microsoft.com/office/powerpoint/2010/main" val="1015653837"/>
       </p:ext>
     </p:extLst>
   </p:cSld>
@@ -2443,9 +2455,10 @@
           <a:lstStyle/>
           <a:p>
             <a:r>
-              <a:rPr lang="en-US"/>
+              <a:rPr lang="en-US" smtClean="0"/>
               <a:t>Click to edit Master title style</a:t>
             </a:r>
+            <a:endParaRPr lang="en-US"/>
           </a:p>
         </p:txBody>
       </p:sp>
@@ -2476,37 +2489,38 @@
           <a:p>
             <a:pPr lvl="0"/>
             <a:r>
-              <a:rPr lang="en-US"/>
+              <a:rPr lang="en-US" smtClean="0"/>
               <a:t>Edit Master text styles</a:t>
             </a:r>
           </a:p>
           <a:p>
             <a:pPr lvl="1"/>
             <a:r>
-              <a:rPr lang="en-US"/>
+              <a:rPr lang="en-US" smtClean="0"/>
               <a:t>Second level</a:t>
             </a:r>
           </a:p>
           <a:p>
             <a:pPr lvl="2"/>
             <a:r>
-              <a:rPr lang="en-US"/>
+              <a:rPr lang="en-US" smtClean="0"/>
               <a:t>Third level</a:t>
             </a:r>
           </a:p>
           <a:p>
             <a:pPr lvl="3"/>
             <a:r>
-              <a:rPr lang="en-US"/>
+              <a:rPr lang="en-US" smtClean="0"/>
               <a:t>Fourth level</a:t>
             </a:r>
           </a:p>
           <a:p>
             <a:pPr lvl="4"/>
             <a:r>
-              <a:rPr lang="en-US"/>
+              <a:rPr lang="en-US" smtClean="0"/>
               <a:t>Fifth level</a:t>
             </a:r>
+            <a:endParaRPr lang="en-US"/>
           </a:p>
         </p:txBody>
       </p:sp>
@@ -2543,9 +2557,9 @@
             </a:lvl1pPr>
           </a:lstStyle>
           <a:p>
-            <a:fld id="{2A0A4212-B79C-4FEA-9CE5-23D9BD6897E2}" type="datetimeFigureOut">
-              <a:rPr lang="en-US" smtClean="0"/>
-              <a:t>5/8/2021</a:t>
+            <a:fld id="{39A44F1F-1F67-4CB6-9C86-CA7336F24955}" type="datetimeFigureOut">
+              <a:rPr lang="en-US" smtClean="0"/>
+              <a:t>5/10/2021</a:t>
             </a:fld>
             <a:endParaRPr lang="en-US"/>
           </a:p>
@@ -2621,7 +2635,7 @@
             </a:lvl1pPr>
           </a:lstStyle>
           <a:p>
-            <a:fld id="{2F0268F6-00CE-4352-8398-A9D96D9F1344}" type="slidenum">
+            <a:fld id="{27D054A3-FA69-4E26-A386-1F10AEBD58D4}" type="slidenum">
               <a:rPr lang="en-US" smtClean="0"/>
               <a:t>‹#›</a:t>
             </a:fld>
@@ -2632,7 +2646,7 @@
     </p:spTree>
     <p:extLst>
       <p:ext uri="{BB962C8B-B14F-4D97-AF65-F5344CB8AC3E}">
-        <p14:creationId xmlns:p14="http://schemas.microsoft.com/office/powerpoint/2010/main" val="4102142803"/>
+        <p14:creationId xmlns:p14="http://schemas.microsoft.com/office/powerpoint/2010/main" val="3095651634"/>
       </p:ext>
     </p:extLst>
   </p:cSld>
@@ -2966,21 +2980,10 @@
           <a:lstStyle/>
           <a:p>
             <a:r>
-              <a:rPr lang="ru-RU" dirty="0"/>
-              <a:t>Ленивая инициализация </a:t>
-            </a:r>
-            <a:r>
-              <a:rPr lang="ru-RU" dirty="0" err="1"/>
-              <a:t>бинов</a:t>
-            </a:r>
-            <a:r>
-              <a:rPr lang="ru-RU" dirty="0"/>
-              <a:t>. </a:t>
-            </a:r>
-            <a:r>
-              <a:rPr lang="en-US" dirty="0"/>
-              <a:t>Lazy-initialization.</a:t>
-            </a:r>
+              <a:rPr lang="en-US" dirty="0" smtClean="0"/>
+              <a:t>Import</a:t>
+            </a:r>
+            <a:endParaRPr lang="en-US" dirty="0"/>
           </a:p>
         </p:txBody>
       </p:sp>
@@ -3003,24 +3006,16 @@
               <a:buNone/>
             </a:pPr>
             <a:r>
-              <a:rPr lang="ru-RU" dirty="0"/>
-              <a:t>Ленивая инициализация </a:t>
-            </a:r>
-            <a:r>
-              <a:rPr lang="ru-RU" dirty="0" err="1"/>
-              <a:t>бинов</a:t>
-            </a:r>
-            <a:r>
-              <a:rPr lang="ru-RU" dirty="0"/>
-              <a:t> используется для отсрочки создания </a:t>
-            </a:r>
-            <a:r>
-              <a:rPr lang="ru-RU" dirty="0" err="1"/>
-              <a:t>бина</a:t>
-            </a:r>
-            <a:r>
-              <a:rPr lang="ru-RU" dirty="0"/>
-              <a:t> до времени первого обращения к нему.</a:t>
+              <a:rPr lang="ru-RU" dirty="0" smtClean="0"/>
+              <a:t>Обычно (в больших приложениях) удобно разбить контекст на несколько </a:t>
+            </a:r>
+            <a:r>
+              <a:rPr lang="en-US" dirty="0" smtClean="0"/>
+              <a:t>XML</a:t>
+            </a:r>
+            <a:r>
+              <a:rPr lang="ru-RU" dirty="0" smtClean="0"/>
+              <a:t> и импортировать их в один.</a:t>
             </a:r>
           </a:p>
           <a:p>
@@ -3028,16 +3023,12 @@
               <a:buNone/>
             </a:pPr>
             <a:r>
-              <a:rPr lang="ru-RU" dirty="0"/>
-              <a:t>При обычной инициализация бин существует на всём протяжении времени работы программы: от старта до конца работы. При ленивой - от первого обращения к нему </a:t>
-            </a:r>
-            <a:r>
-              <a:rPr lang="ru-RU" dirty="0" err="1"/>
-              <a:t>getBean</a:t>
-            </a:r>
-            <a:r>
-              <a:rPr lang="ru-RU" dirty="0"/>
-              <a:t>().</a:t>
+              <a:rPr lang="ru-RU" dirty="0" smtClean="0"/>
+              <a:t>Это делается с помощью тега </a:t>
+            </a:r>
+            <a:r>
+              <a:rPr lang="en-US" dirty="0" smtClean="0"/>
+              <a:t>&lt;import&gt;</a:t>
             </a:r>
           </a:p>
           <a:p>
@@ -3050,237 +3041,16 @@
       </p:sp>
       <p:sp>
         <p:nvSpPr>
-          <p:cNvPr id="4" name="AutoShape 2" descr="en-cache://tokenKey%3D%22AuthToken%3AUser%3A225804705%22+01529294-3a4e-5196-8480-5355da7d5ccc+77a739240cdae43c3c63905706351c23+https:/www.evernote.com/shard/s729/res/755d5bad-f5cf-5cf4-56f2-7b9392868a0a"/>
-          <p:cNvSpPr>
-            <a:spLocks noChangeAspect="1" noChangeArrowheads="1"/>
+          <p:cNvPr id="4" name="Rectangle 1"/>
+          <p:cNvSpPr>
+            <a:spLocks noChangeArrowheads="1"/>
           </p:cNvSpPr>
           <p:nvPr/>
         </p:nvSpPr>
         <p:spPr bwMode="auto">
           <a:xfrm>
-            <a:off x="2016459" y="4700253"/>
-            <a:ext cx="7849436" cy="7849462"/>
-          </a:xfrm>
-          <a:prstGeom prst="rect">
-            <a:avLst/>
-          </a:prstGeom>
-          <a:noFill/>
-          <a:extLst>
-            <a:ext uri="{909E8E84-426E-40DD-AFC4-6F175D3DCCD1}">
-              <a14:hiddenFill xmlns:a14="http://schemas.microsoft.com/office/drawing/2010/main">
-                <a:solidFill>
-                  <a:srgbClr val="FFFFFF"/>
-                </a:solidFill>
-              </a14:hiddenFill>
-            </a:ext>
-          </a:extLst>
-        </p:spPr>
-        <p:txBody>
-          <a:bodyPr vert="horz" wrap="square" lIns="91440" tIns="45720" rIns="91440" bIns="45720" numCol="1" anchor="t" anchorCtr="0" compatLnSpc="1">
-            <a:prstTxWarp prst="textNoShape">
-              <a:avLst/>
-            </a:prstTxWarp>
-          </a:bodyPr>
-          <a:lstStyle/>
-          <a:p>
-            <a:endParaRPr lang="en-US"/>
-          </a:p>
-        </p:txBody>
-      </p:sp>
-    </p:spTree>
-    <p:extLst>
-      <p:ext uri="{BB962C8B-B14F-4D97-AF65-F5344CB8AC3E}">
-        <p14:creationId xmlns:p14="http://schemas.microsoft.com/office/powerpoint/2010/main" val="3701813692"/>
-      </p:ext>
-    </p:extLst>
-  </p:cSld>
-  <p:clrMapOvr>
-    <a:masterClrMapping/>
-  </p:clrMapOvr>
-</p:sld>
-</file>
-
-<file path=ppt/slides/slide2.xml><?xml version="1.0" encoding="utf-8"?>
-<p:sld xmlns:a="http://schemas.openxmlformats.org/drawingml/2006/main" xmlns:r="http://schemas.openxmlformats.org/officeDocument/2006/relationships" xmlns:p="http://schemas.openxmlformats.org/presentationml/2006/main">
-  <p:cSld>
-    <p:spTree>
-      <p:nvGrpSpPr>
-        <p:cNvPr id="1" name=""/>
-        <p:cNvGrpSpPr/>
-        <p:nvPr/>
-      </p:nvGrpSpPr>
-      <p:grpSpPr>
-        <a:xfrm>
-          <a:off x="0" y="0"/>
-          <a:ext cx="0" cy="0"/>
-          <a:chOff x="0" y="0"/>
-          <a:chExt cx="0" cy="0"/>
-        </a:xfrm>
-      </p:grpSpPr>
-      <p:sp>
-        <p:nvSpPr>
-          <p:cNvPr id="2" name="Title 1"/>
-          <p:cNvSpPr>
-            <a:spLocks noGrp="1"/>
-          </p:cNvSpPr>
-          <p:nvPr>
-            <p:ph type="title"/>
-          </p:nvPr>
-        </p:nvSpPr>
-        <p:spPr/>
-        <p:txBody>
-          <a:bodyPr/>
-          <a:lstStyle/>
-          <a:p>
-            <a:endParaRPr lang="en-US"/>
-          </a:p>
-        </p:txBody>
-      </p:sp>
-      <p:pic>
-        <p:nvPicPr>
-          <p:cNvPr id="4" name="Content Placeholder 3"/>
-          <p:cNvPicPr>
-            <a:picLocks noGrp="1" noChangeAspect="1"/>
-          </p:cNvPicPr>
-          <p:nvPr>
-            <p:ph idx="1"/>
-          </p:nvPr>
-        </p:nvPicPr>
-        <p:blipFill>
-          <a:blip r:embed="rId2">
-            <a:extLst>
-              <a:ext uri="{28A0092B-C50C-407E-A947-70E740481C1C}">
-                <a14:useLocalDpi xmlns:a14="http://schemas.microsoft.com/office/drawing/2010/main" val="0"/>
-              </a:ext>
-            </a:extLst>
-          </a:blip>
-          <a:stretch>
-            <a:fillRect/>
-          </a:stretch>
-        </p:blipFill>
-        <p:spPr>
-          <a:xfrm>
-            <a:off x="677779" y="1690688"/>
-            <a:ext cx="10515600" cy="3956271"/>
-          </a:xfrm>
-        </p:spPr>
-      </p:pic>
-    </p:spTree>
-    <p:extLst>
-      <p:ext uri="{BB962C8B-B14F-4D97-AF65-F5344CB8AC3E}">
-        <p14:creationId xmlns:p14="http://schemas.microsoft.com/office/powerpoint/2010/main" val="2465351124"/>
-      </p:ext>
-    </p:extLst>
-  </p:cSld>
-  <p:clrMapOvr>
-    <a:masterClrMapping/>
-  </p:clrMapOvr>
-</p:sld>
-</file>
-
-<file path=ppt/slides/slide3.xml><?xml version="1.0" encoding="utf-8"?>
-<p:sld xmlns:a="http://schemas.openxmlformats.org/drawingml/2006/main" xmlns:r="http://schemas.openxmlformats.org/officeDocument/2006/relationships" xmlns:p="http://schemas.openxmlformats.org/presentationml/2006/main">
-  <p:cSld>
-    <p:spTree>
-      <p:nvGrpSpPr>
-        <p:cNvPr id="1" name=""/>
-        <p:cNvGrpSpPr/>
-        <p:nvPr/>
-      </p:nvGrpSpPr>
-      <p:grpSpPr>
-        <a:xfrm>
-          <a:off x="0" y="0"/>
-          <a:ext cx="0" cy="0"/>
-          <a:chOff x="0" y="0"/>
-          <a:chExt cx="0" cy="0"/>
-        </a:xfrm>
-      </p:grpSpPr>
-      <p:sp>
-        <p:nvSpPr>
-          <p:cNvPr id="3" name="Content Placeholder 2"/>
-          <p:cNvSpPr>
-            <a:spLocks noGrp="1"/>
-          </p:cNvSpPr>
-          <p:nvPr>
-            <p:ph idx="1"/>
-          </p:nvPr>
-        </p:nvSpPr>
-        <p:spPr>
-          <a:xfrm>
-            <a:off x="838200" y="647700"/>
-            <a:ext cx="10515600" cy="5529263"/>
-          </a:xfrm>
-        </p:spPr>
-        <p:txBody>
-          <a:bodyPr/>
-          <a:lstStyle/>
-          <a:p>
-            <a:r>
-              <a:rPr lang="ru-RU" dirty="0"/>
-              <a:t>Устанавливается в </a:t>
-            </a:r>
-            <a:r>
-              <a:rPr lang="ru-RU" dirty="0" err="1"/>
-              <a:t>бине</a:t>
-            </a:r>
-            <a:r>
-              <a:rPr lang="ru-RU" dirty="0"/>
-              <a:t> следующим образом:</a:t>
-            </a:r>
-          </a:p>
-          <a:p>
-            <a:endParaRPr lang="ru-RU" dirty="0"/>
-          </a:p>
-          <a:p>
-            <a:endParaRPr lang="ru-RU" dirty="0"/>
-          </a:p>
-          <a:p>
-            <a:endParaRPr lang="ru-RU" dirty="0"/>
-          </a:p>
-          <a:p>
-            <a:endParaRPr lang="ru-RU" dirty="0"/>
-          </a:p>
-          <a:p>
-            <a:endParaRPr lang="ru-RU" dirty="0"/>
-          </a:p>
-          <a:p>
-            <a:endParaRPr lang="ru-RU" dirty="0"/>
-          </a:p>
-          <a:p>
-            <a:endParaRPr lang="ru-RU" dirty="0"/>
-          </a:p>
-          <a:p>
-            <a:r>
-              <a:rPr lang="ru-RU" dirty="0"/>
-              <a:t>По умолчанию </a:t>
-            </a:r>
-            <a:r>
-              <a:rPr lang="ru-RU"/>
-              <a:t>равна </a:t>
-            </a:r>
-            <a:r>
-              <a:rPr lang="en-US"/>
-              <a:t>false</a:t>
-            </a:r>
-            <a:r>
-              <a:rPr lang="en-US" dirty="0"/>
-              <a:t>.</a:t>
-            </a:r>
-          </a:p>
-        </p:txBody>
-      </p:sp>
-      <p:sp>
-        <p:nvSpPr>
-          <p:cNvPr id="4" name="Rectangle 1"/>
-          <p:cNvSpPr>
-            <a:spLocks noChangeArrowheads="1"/>
-          </p:cNvSpPr>
-          <p:nvPr/>
-        </p:nvSpPr>
-        <p:spPr bwMode="auto">
-          <a:xfrm>
-            <a:off x="838199" y="1918364"/>
-            <a:ext cx="9115425" cy="2554545"/>
+            <a:off x="838200" y="3365303"/>
+            <a:ext cx="4621906" cy="400110"/>
           </a:xfrm>
           <a:prstGeom prst="rect">
             <a:avLst/>
@@ -3315,7 +3085,7 @@
           </a:extLst>
         </p:spPr>
         <p:txBody>
-          <a:bodyPr vert="horz" wrap="square" lIns="91440" tIns="45720" rIns="91440" bIns="45720" numCol="1" anchor="ctr" anchorCtr="0" compatLnSpc="1">
+          <a:bodyPr vert="horz" wrap="none" lIns="91440" tIns="45720" rIns="91440" bIns="45720" numCol="1" anchor="ctr" anchorCtr="0" compatLnSpc="1">
             <a:prstTxWarp prst="textNoShape">
               <a:avLst/>
             </a:prstTxWarp>
@@ -3340,7 +3110,7 @@
               <a:tabLst/>
             </a:pPr>
             <a:r>
-              <a:rPr kumimoji="0" lang="en-US" altLang="en-US" sz="2000" b="0" i="0" u="none" strike="noStrike" cap="none" normalizeH="0" baseline="0" dirty="0">
+              <a:rPr kumimoji="0" lang="en-US" altLang="en-US" sz="2000" b="0" i="0" u="none" strike="noStrike" cap="none" normalizeH="0" baseline="0" dirty="0" smtClean="0">
                 <a:ln>
                   <a:noFill/>
                 </a:ln>
@@ -3350,10 +3120,10 @@
                 <a:effectLst/>
                 <a:latin typeface="JetBrains Mono"/>
               </a:rPr>
-              <a:t>&lt;bean </a:t>
-            </a:r>
-            <a:r>
-              <a:rPr kumimoji="0" lang="en-US" altLang="en-US" sz="2000" b="0" i="0" u="none" strike="noStrike" cap="none" normalizeH="0" baseline="0" dirty="0">
+              <a:t>&lt;import </a:t>
+            </a:r>
+            <a:r>
+              <a:rPr kumimoji="0" lang="en-US" altLang="en-US" sz="2000" b="0" i="0" u="none" strike="noStrike" cap="none" normalizeH="0" baseline="0" dirty="0" smtClean="0">
                 <a:ln>
                   <a:noFill/>
                 </a:ln>
@@ -3363,10 +3133,10 @@
                 <a:effectLst/>
                 <a:latin typeface="JetBrains Mono"/>
               </a:rPr>
-              <a:t>name</a:t>
-            </a:r>
-            <a:r>
-              <a:rPr kumimoji="0" lang="en-US" altLang="en-US" sz="2000" b="0" i="0" u="none" strike="noStrike" cap="none" normalizeH="0" baseline="0" dirty="0">
+              <a:t>resource</a:t>
+            </a:r>
+            <a:r>
+              <a:rPr kumimoji="0" lang="en-US" altLang="en-US" sz="2000" b="0" i="0" u="none" strike="noStrike" cap="none" normalizeH="0" baseline="0" dirty="0" smtClean="0">
                 <a:ln>
                   <a:noFill/>
                 </a:ln>
@@ -3376,23 +3146,10 @@
                 <a:effectLst/>
                 <a:latin typeface="JetBrains Mono"/>
               </a:rPr>
-              <a:t>="exampleBean1" </a:t>
-            </a:r>
-            <a:r>
-              <a:rPr kumimoji="0" lang="en-US" altLang="en-US" sz="2000" b="0" i="0" u="none" strike="noStrike" cap="none" normalizeH="0" baseline="0" dirty="0">
-                <a:ln>
-                  <a:noFill/>
-                </a:ln>
-                <a:solidFill>
-                  <a:srgbClr val="BABABA"/>
-                </a:solidFill>
-                <a:effectLst/>
-                <a:latin typeface="JetBrains Mono"/>
-              </a:rPr>
-              <a:t>class</a:t>
-            </a:r>
-            <a:r>
-              <a:rPr kumimoji="0" lang="en-US" altLang="en-US" sz="2000" b="0" i="0" u="none" strike="noStrike" cap="none" normalizeH="0" baseline="0" dirty="0">
+              <a:t>=«</a:t>
+            </a:r>
+            <a:r>
+              <a:rPr kumimoji="0" lang="ru-RU" altLang="en-US" sz="2000" b="0" i="0" u="none" strike="noStrike" cap="none" normalizeH="0" baseline="0" dirty="0" smtClean="0">
                 <a:ln>
                   <a:noFill/>
                 </a:ln>
@@ -3402,10 +3159,62 @@
                 <a:effectLst/>
                 <a:latin typeface="JetBrains Mono"/>
               </a:rPr>
-              <a:t>="com.volkov.IoC.example6.ExampleBean1"</a:t>
-            </a:r>
-            <a:r>
-              <a:rPr kumimoji="0" lang="en-US" altLang="en-US" sz="2000" b="0" i="0" u="none" strike="noStrike" cap="none" normalizeH="0" baseline="0" dirty="0">
+              <a:t>имя </a:t>
+            </a:r>
+            <a:r>
+              <a:rPr kumimoji="0" lang="en-US" altLang="en-US" sz="2000" b="0" i="0" u="none" strike="noStrike" cap="none" normalizeH="0" baseline="0" dirty="0" smtClean="0">
+                <a:ln>
+                  <a:noFill/>
+                </a:ln>
+                <a:solidFill>
+                  <a:srgbClr val="6A8759"/>
+                </a:solidFill>
+                <a:effectLst/>
+                <a:latin typeface="JetBrains Mono"/>
+              </a:rPr>
+              <a:t>XML</a:t>
+            </a:r>
+            <a:r>
+              <a:rPr kumimoji="0" lang="en-US" altLang="en-US" sz="2000" b="0" i="0" u="none" strike="noStrike" cap="none" normalizeH="0" dirty="0" smtClean="0">
+                <a:ln>
+                  <a:noFill/>
+                </a:ln>
+                <a:solidFill>
+                  <a:srgbClr val="6A8759"/>
+                </a:solidFill>
+                <a:effectLst/>
+                <a:latin typeface="JetBrains Mono"/>
+              </a:rPr>
+              <a:t> </a:t>
+            </a:r>
+            <a:r>
+              <a:rPr kumimoji="0" lang="ru-RU" altLang="en-US" sz="2000" b="0" i="0" u="none" strike="noStrike" cap="none" normalizeH="0" dirty="0" smtClean="0">
+                <a:ln>
+                  <a:noFill/>
+                </a:ln>
+                <a:solidFill>
+                  <a:srgbClr val="6A8759"/>
+                </a:solidFill>
+                <a:effectLst/>
+                <a:latin typeface="JetBrains Mono"/>
+              </a:rPr>
+              <a:t>файла</a:t>
+            </a:r>
+            <a:r>
+              <a:rPr kumimoji="0" lang="en-US" altLang="en-US" sz="2000" b="0" i="0" u="none" strike="noStrike" cap="none" normalizeH="0" baseline="0" dirty="0" smtClean="0">
+                <a:ln>
+                  <a:noFill/>
+                </a:ln>
+                <a:solidFill>
+                  <a:srgbClr val="6A8759"/>
+                </a:solidFill>
+                <a:effectLst/>
+                <a:latin typeface="JetBrains Mono"/>
+              </a:rPr>
+              <a:t>"</a:t>
+            </a:r>
+            <a:r>
+              <a:rPr kumimoji="0" lang="en-US" altLang="en-US" sz="2000" b="0" i="0" u="none" strike="noStrike" cap="none" normalizeH="0" baseline="0" dirty="0" smtClean="0">
                 <a:ln>
                   <a:noFill/>
                 </a:ln>
@@ -3417,394 +3226,7 @@
               </a:rPr>
               <a:t>/&gt;</a:t>
             </a:r>
-            <a:br>
-              <a:rPr kumimoji="0" lang="en-US" altLang="en-US" sz="2000" b="0" i="0" u="none" strike="noStrike" cap="none" normalizeH="0" baseline="0" dirty="0">
-                <a:ln>
-                  <a:noFill/>
-                </a:ln>
-                <a:solidFill>
-                  <a:srgbClr val="E8BF6A"/>
-                </a:solidFill>
-                <a:effectLst/>
-                <a:latin typeface="JetBrains Mono"/>
-              </a:rPr>
-            </a:br>
-            <a:r>
-              <a:rPr kumimoji="0" lang="en-US" altLang="en-US" sz="2000" b="0" i="0" u="none" strike="noStrike" cap="none" normalizeH="0" baseline="0" dirty="0">
-                <a:ln>
-                  <a:noFill/>
-                </a:ln>
-                <a:solidFill>
-                  <a:srgbClr val="E8BF6A"/>
-                </a:solidFill>
-                <a:effectLst/>
-                <a:latin typeface="JetBrains Mono"/>
-              </a:rPr>
-              <a:t>&lt;bean </a:t>
-            </a:r>
-            <a:r>
-              <a:rPr kumimoji="0" lang="en-US" altLang="en-US" sz="2000" b="0" i="0" u="none" strike="noStrike" cap="none" normalizeH="0" baseline="0" dirty="0">
-                <a:ln>
-                  <a:noFill/>
-                </a:ln>
-                <a:solidFill>
-                  <a:srgbClr val="BABABA"/>
-                </a:solidFill>
-                <a:effectLst/>
-                <a:latin typeface="JetBrains Mono"/>
-              </a:rPr>
-              <a:t>name</a:t>
-            </a:r>
-            <a:r>
-              <a:rPr kumimoji="0" lang="en-US" altLang="en-US" sz="2000" b="0" i="0" u="none" strike="noStrike" cap="none" normalizeH="0" baseline="0" dirty="0">
-                <a:ln>
-                  <a:noFill/>
-                </a:ln>
-                <a:solidFill>
-                  <a:srgbClr val="6A8759"/>
-                </a:solidFill>
-                <a:effectLst/>
-                <a:latin typeface="JetBrains Mono"/>
-              </a:rPr>
-              <a:t>="exampleBean2" </a:t>
-            </a:r>
-            <a:r>
-              <a:rPr kumimoji="0" lang="en-US" altLang="en-US" sz="2000" b="0" i="0" u="none" strike="noStrike" cap="none" normalizeH="0" baseline="0" dirty="0">
-                <a:ln>
-                  <a:noFill/>
-                </a:ln>
-                <a:solidFill>
-                  <a:srgbClr val="BABABA"/>
-                </a:solidFill>
-                <a:effectLst/>
-                <a:latin typeface="JetBrains Mono"/>
-              </a:rPr>
-              <a:t>class</a:t>
-            </a:r>
-            <a:r>
-              <a:rPr kumimoji="0" lang="en-US" altLang="en-US" sz="2000" b="0" i="0" u="none" strike="noStrike" cap="none" normalizeH="0" baseline="0" dirty="0">
-                <a:ln>
-                  <a:noFill/>
-                </a:ln>
-                <a:solidFill>
-                  <a:srgbClr val="6A8759"/>
-                </a:solidFill>
-                <a:effectLst/>
-                <a:latin typeface="JetBrains Mono"/>
-              </a:rPr>
-              <a:t>="com.volkov.IoC.example6.ExampleBean2" </a:t>
-            </a:r>
-            <a:r>
-              <a:rPr kumimoji="0" lang="en-US" altLang="en-US" sz="2000" b="0" i="0" u="none" strike="noStrike" cap="none" normalizeH="0" baseline="0" dirty="0">
-                <a:ln>
-                  <a:noFill/>
-                </a:ln>
-                <a:solidFill>
-                  <a:srgbClr val="BABABA"/>
-                </a:solidFill>
-                <a:effectLst/>
-                <a:latin typeface="JetBrains Mono"/>
-              </a:rPr>
-              <a:t>lazy-</a:t>
-            </a:r>
-            <a:r>
-              <a:rPr kumimoji="0" lang="en-US" altLang="en-US" sz="2000" b="0" i="0" u="none" strike="noStrike" cap="none" normalizeH="0" baseline="0" dirty="0" err="1">
-                <a:ln>
-                  <a:noFill/>
-                </a:ln>
-                <a:solidFill>
-                  <a:srgbClr val="BABABA"/>
-                </a:solidFill>
-                <a:effectLst/>
-                <a:latin typeface="JetBrains Mono"/>
-              </a:rPr>
-              <a:t>init</a:t>
-            </a:r>
-            <a:r>
-              <a:rPr kumimoji="0" lang="en-US" altLang="en-US" sz="2000" b="0" i="0" u="none" strike="noStrike" cap="none" normalizeH="0" baseline="0" dirty="0">
-                <a:ln>
-                  <a:noFill/>
-                </a:ln>
-                <a:solidFill>
-                  <a:srgbClr val="6A8759"/>
-                </a:solidFill>
-                <a:effectLst/>
-                <a:latin typeface="JetBrains Mono"/>
-              </a:rPr>
-              <a:t>="default"</a:t>
-            </a:r>
-            <a:r>
-              <a:rPr kumimoji="0" lang="en-US" altLang="en-US" sz="2000" b="0" i="0" u="none" strike="noStrike" cap="none" normalizeH="0" baseline="0" dirty="0">
-                <a:ln>
-                  <a:noFill/>
-                </a:ln>
-                <a:solidFill>
-                  <a:srgbClr val="E8BF6A"/>
-                </a:solidFill>
-                <a:effectLst/>
-                <a:latin typeface="JetBrains Mono"/>
-              </a:rPr>
-              <a:t>/&gt;</a:t>
-            </a:r>
-            <a:br>
-              <a:rPr kumimoji="0" lang="en-US" altLang="en-US" sz="2000" b="0" i="0" u="none" strike="noStrike" cap="none" normalizeH="0" baseline="0" dirty="0">
-                <a:ln>
-                  <a:noFill/>
-                </a:ln>
-                <a:solidFill>
-                  <a:srgbClr val="E8BF6A"/>
-                </a:solidFill>
-                <a:effectLst/>
-                <a:latin typeface="JetBrains Mono"/>
-              </a:rPr>
-            </a:br>
-            <a:r>
-              <a:rPr kumimoji="0" lang="en-US" altLang="en-US" sz="2000" b="0" i="0" u="none" strike="noStrike" cap="none" normalizeH="0" baseline="0" dirty="0">
-                <a:ln>
-                  <a:noFill/>
-                </a:ln>
-                <a:solidFill>
-                  <a:srgbClr val="E8BF6A"/>
-                </a:solidFill>
-                <a:effectLst/>
-                <a:latin typeface="JetBrains Mono"/>
-              </a:rPr>
-              <a:t>&lt;bean </a:t>
-            </a:r>
-            <a:r>
-              <a:rPr kumimoji="0" lang="en-US" altLang="en-US" sz="2000" b="0" i="0" u="none" strike="noStrike" cap="none" normalizeH="0" baseline="0" dirty="0">
-                <a:ln>
-                  <a:noFill/>
-                </a:ln>
-                <a:solidFill>
-                  <a:srgbClr val="BABABA"/>
-                </a:solidFill>
-                <a:effectLst/>
-                <a:latin typeface="JetBrains Mono"/>
-              </a:rPr>
-              <a:t>name</a:t>
-            </a:r>
-            <a:r>
-              <a:rPr kumimoji="0" lang="en-US" altLang="en-US" sz="2000" b="0" i="0" u="none" strike="noStrike" cap="none" normalizeH="0" baseline="0" dirty="0">
-                <a:ln>
-                  <a:noFill/>
-                </a:ln>
-                <a:solidFill>
-                  <a:srgbClr val="6A8759"/>
-                </a:solidFill>
-                <a:effectLst/>
-                <a:latin typeface="JetBrains Mono"/>
-              </a:rPr>
-              <a:t>="exampleBean3" </a:t>
-            </a:r>
-            <a:r>
-              <a:rPr kumimoji="0" lang="en-US" altLang="en-US" sz="2000" b="0" i="0" u="none" strike="noStrike" cap="none" normalizeH="0" baseline="0" dirty="0">
-                <a:ln>
-                  <a:noFill/>
-                </a:ln>
-                <a:solidFill>
-                  <a:srgbClr val="BABABA"/>
-                </a:solidFill>
-                <a:effectLst/>
-                <a:latin typeface="JetBrains Mono"/>
-              </a:rPr>
-              <a:t>class</a:t>
-            </a:r>
-            <a:r>
-              <a:rPr kumimoji="0" lang="en-US" altLang="en-US" sz="2000" b="0" i="0" u="none" strike="noStrike" cap="none" normalizeH="0" baseline="0" dirty="0">
-                <a:ln>
-                  <a:noFill/>
-                </a:ln>
-                <a:solidFill>
-                  <a:srgbClr val="6A8759"/>
-                </a:solidFill>
-                <a:effectLst/>
-                <a:latin typeface="JetBrains Mono"/>
-              </a:rPr>
-              <a:t>="com.volkov.IoC.example6.ExampleBean3" </a:t>
-            </a:r>
-            <a:r>
-              <a:rPr kumimoji="0" lang="en-US" altLang="en-US" sz="2000" b="0" i="0" u="none" strike="noStrike" cap="none" normalizeH="0" baseline="0" dirty="0">
-                <a:ln>
-                  <a:noFill/>
-                </a:ln>
-                <a:solidFill>
-                  <a:srgbClr val="BABABA"/>
-                </a:solidFill>
-                <a:effectLst/>
-                <a:latin typeface="JetBrains Mono"/>
-              </a:rPr>
-              <a:t>lazy-</a:t>
-            </a:r>
-            <a:r>
-              <a:rPr kumimoji="0" lang="en-US" altLang="en-US" sz="2000" b="0" i="0" u="none" strike="noStrike" cap="none" normalizeH="0" baseline="0" dirty="0" err="1">
-                <a:ln>
-                  <a:noFill/>
-                </a:ln>
-                <a:solidFill>
-                  <a:srgbClr val="BABABA"/>
-                </a:solidFill>
-                <a:effectLst/>
-                <a:latin typeface="JetBrains Mono"/>
-              </a:rPr>
-              <a:t>init</a:t>
-            </a:r>
-            <a:r>
-              <a:rPr kumimoji="0" lang="en-US" altLang="en-US" sz="2000" b="0" i="0" u="none" strike="noStrike" cap="none" normalizeH="0" baseline="0" dirty="0">
-                <a:ln>
-                  <a:noFill/>
-                </a:ln>
-                <a:solidFill>
-                  <a:srgbClr val="6A8759"/>
-                </a:solidFill>
-                <a:effectLst/>
-                <a:latin typeface="JetBrains Mono"/>
-              </a:rPr>
-              <a:t>="false"</a:t>
-            </a:r>
-            <a:r>
-              <a:rPr kumimoji="0" lang="en-US" altLang="en-US" sz="2000" b="0" i="0" u="none" strike="noStrike" cap="none" normalizeH="0" baseline="0" dirty="0">
-                <a:ln>
-                  <a:noFill/>
-                </a:ln>
-                <a:solidFill>
-                  <a:srgbClr val="E8BF6A"/>
-                </a:solidFill>
-                <a:effectLst/>
-                <a:latin typeface="JetBrains Mono"/>
-              </a:rPr>
-              <a:t>/&gt;</a:t>
-            </a:r>
-            <a:br>
-              <a:rPr kumimoji="0" lang="en-US" altLang="en-US" sz="2000" b="0" i="0" u="none" strike="noStrike" cap="none" normalizeH="0" baseline="0" dirty="0">
-                <a:ln>
-                  <a:noFill/>
-                </a:ln>
-                <a:solidFill>
-                  <a:srgbClr val="E8BF6A"/>
-                </a:solidFill>
-                <a:effectLst/>
-                <a:latin typeface="JetBrains Mono"/>
-              </a:rPr>
-            </a:br>
-            <a:r>
-              <a:rPr kumimoji="0" lang="en-US" altLang="en-US" sz="2000" b="0" i="0" u="none" strike="noStrike" cap="none" normalizeH="0" baseline="0" dirty="0">
-                <a:ln>
-                  <a:noFill/>
-                </a:ln>
-                <a:solidFill>
-                  <a:srgbClr val="E8BF6A"/>
-                </a:solidFill>
-                <a:effectLst/>
-                <a:latin typeface="JetBrains Mono"/>
-              </a:rPr>
-              <a:t>&lt;bean </a:t>
-            </a:r>
-            <a:r>
-              <a:rPr kumimoji="0" lang="en-US" altLang="en-US" sz="2000" b="0" i="0" u="none" strike="noStrike" cap="none" normalizeH="0" baseline="0" dirty="0">
-                <a:ln>
-                  <a:noFill/>
-                </a:ln>
-                <a:solidFill>
-                  <a:srgbClr val="BABABA"/>
-                </a:solidFill>
-                <a:effectLst/>
-                <a:latin typeface="JetBrains Mono"/>
-              </a:rPr>
-              <a:t>name</a:t>
-            </a:r>
-            <a:r>
-              <a:rPr kumimoji="0" lang="en-US" altLang="en-US" sz="2000" b="0" i="0" u="none" strike="noStrike" cap="none" normalizeH="0" baseline="0" dirty="0">
-                <a:ln>
-                  <a:noFill/>
-                </a:ln>
-                <a:solidFill>
-                  <a:srgbClr val="6A8759"/>
-                </a:solidFill>
-                <a:effectLst/>
-                <a:latin typeface="JetBrains Mono"/>
-              </a:rPr>
-              <a:t>="exampleBean4" </a:t>
-            </a:r>
-            <a:r>
-              <a:rPr kumimoji="0" lang="en-US" altLang="en-US" sz="2000" b="0" i="0" u="none" strike="noStrike" cap="none" normalizeH="0" baseline="0" dirty="0">
-                <a:ln>
-                  <a:noFill/>
-                </a:ln>
-                <a:solidFill>
-                  <a:srgbClr val="BABABA"/>
-                </a:solidFill>
-                <a:effectLst/>
-                <a:latin typeface="JetBrains Mono"/>
-              </a:rPr>
-              <a:t>class</a:t>
-            </a:r>
-            <a:r>
-              <a:rPr kumimoji="0" lang="en-US" altLang="en-US" sz="2000" b="0" i="0" u="none" strike="noStrike" cap="none" normalizeH="0" baseline="0" dirty="0">
-                <a:ln>
-                  <a:noFill/>
-                </a:ln>
-                <a:solidFill>
-                  <a:srgbClr val="6A8759"/>
-                </a:solidFill>
-                <a:effectLst/>
-                <a:latin typeface="JetBrains Mono"/>
-              </a:rPr>
-              <a:t>="com.volkov.IoC.example6.ExampleBean4" </a:t>
-            </a:r>
-            <a:r>
-              <a:rPr kumimoji="0" lang="en-US" altLang="en-US" sz="2000" b="0" i="0" u="none" strike="noStrike" cap="none" normalizeH="0" baseline="0" dirty="0">
-                <a:ln>
-                  <a:noFill/>
-                </a:ln>
-                <a:solidFill>
-                  <a:srgbClr val="BABABA"/>
-                </a:solidFill>
-                <a:effectLst/>
-                <a:latin typeface="JetBrains Mono"/>
-              </a:rPr>
-              <a:t>lazy-</a:t>
-            </a:r>
-            <a:r>
-              <a:rPr kumimoji="0" lang="en-US" altLang="en-US" sz="2000" b="0" i="0" u="none" strike="noStrike" cap="none" normalizeH="0" baseline="0" dirty="0" err="1">
-                <a:ln>
-                  <a:noFill/>
-                </a:ln>
-                <a:solidFill>
-                  <a:srgbClr val="BABABA"/>
-                </a:solidFill>
-                <a:effectLst/>
-                <a:latin typeface="JetBrains Mono"/>
-              </a:rPr>
-              <a:t>init</a:t>
-            </a:r>
-            <a:r>
-              <a:rPr kumimoji="0" lang="en-US" altLang="en-US" sz="2000" b="0" i="0" u="none" strike="noStrike" cap="none" normalizeH="0" baseline="0" dirty="0">
-                <a:ln>
-                  <a:noFill/>
-                </a:ln>
-                <a:solidFill>
-                  <a:srgbClr val="6A8759"/>
-                </a:solidFill>
-                <a:effectLst/>
-                <a:latin typeface="JetBrains Mono"/>
-              </a:rPr>
-              <a:t>="true"</a:t>
-            </a:r>
-            <a:r>
-              <a:rPr kumimoji="0" lang="en-US" altLang="en-US" sz="2000" b="0" i="0" u="none" strike="noStrike" cap="none" normalizeH="0" baseline="0" dirty="0">
-                <a:ln>
-                  <a:noFill/>
-                </a:ln>
-                <a:solidFill>
-                  <a:srgbClr val="E8BF6A"/>
-                </a:solidFill>
-                <a:effectLst/>
-                <a:latin typeface="JetBrains Mono"/>
-              </a:rPr>
-              <a:t>/&gt;</a:t>
-            </a:r>
-            <a:endParaRPr kumimoji="0" lang="en-US" altLang="en-US" sz="2000" b="0" i="0" u="none" strike="noStrike" cap="none" normalizeH="0" baseline="0" dirty="0">
+            <a:endParaRPr kumimoji="0" lang="en-US" altLang="en-US" sz="2000" b="0" i="0" u="none" strike="noStrike" cap="none" normalizeH="0" baseline="0" dirty="0" smtClean="0">
               <a:ln>
                 <a:noFill/>
               </a:ln>
@@ -3820,7 +3242,7 @@
     </p:spTree>
     <p:extLst>
       <p:ext uri="{BB962C8B-B14F-4D97-AF65-F5344CB8AC3E}">
-        <p14:creationId xmlns:p14="http://schemas.microsoft.com/office/powerpoint/2010/main" val="2431173732"/>
+        <p14:creationId xmlns:p14="http://schemas.microsoft.com/office/powerpoint/2010/main" val="4133547668"/>
       </p:ext>
     </p:extLst>
   </p:cSld>
